--- a/Project_1_Deck.pptx
+++ b/Project_1_Deck.pptx
@@ -5,20 +5,28 @@
     <p:sldMasterId id="2147483650" r:id="rId1"/>
   </p:sldMasterIdLst>
   <p:notesMasterIdLst>
-    <p:notesMasterId r:id="rId13"/>
+    <p:notesMasterId r:id="rId21"/>
   </p:notesMasterIdLst>
   <p:sldIdLst>
     <p:sldId id="278" r:id="rId2"/>
     <p:sldId id="280" r:id="rId3"/>
     <p:sldId id="281" r:id="rId4"/>
-    <p:sldId id="283" r:id="rId5"/>
+    <p:sldId id="311" r:id="rId5"/>
     <p:sldId id="298" r:id="rId6"/>
-    <p:sldId id="297" r:id="rId7"/>
-    <p:sldId id="296" r:id="rId8"/>
-    <p:sldId id="295" r:id="rId9"/>
-    <p:sldId id="294" r:id="rId10"/>
-    <p:sldId id="292" r:id="rId11"/>
-    <p:sldId id="293" r:id="rId12"/>
+    <p:sldId id="312" r:id="rId7"/>
+    <p:sldId id="302" r:id="rId8"/>
+    <p:sldId id="299" r:id="rId9"/>
+    <p:sldId id="303" r:id="rId10"/>
+    <p:sldId id="305" r:id="rId11"/>
+    <p:sldId id="306" r:id="rId12"/>
+    <p:sldId id="307" r:id="rId13"/>
+    <p:sldId id="308" r:id="rId14"/>
+    <p:sldId id="297" r:id="rId15"/>
+    <p:sldId id="296" r:id="rId16"/>
+    <p:sldId id="295" r:id="rId17"/>
+    <p:sldId id="294" r:id="rId18"/>
+    <p:sldId id="292" r:id="rId19"/>
+    <p:sldId id="293" r:id="rId20"/>
   </p:sldIdLst>
   <p:sldSz cx="12192000" cy="6858000"/>
   <p:notesSz cx="13716000" cy="24384000"/>
@@ -23249,6 +23257,1181 @@
       </p:grpSpPr>
       <p:sp>
         <p:nvSpPr>
+          <p:cNvPr id="7" name="Slide Number Placeholder 6">
+            <a:extLst>
+              <a:ext uri="{FF2B5EF4-FFF2-40B4-BE49-F238E27FC236}">
+                <a16:creationId xmlns:a16="http://schemas.microsoft.com/office/drawing/2014/main" id="{712D1D31-1A67-703B-DF69-CA8142BF6A2D}"/>
+              </a:ext>
+            </a:extLst>
+          </p:cNvPr>
+          <p:cNvSpPr>
+            <a:spLocks noGrp="1"/>
+          </p:cNvSpPr>
+          <p:nvPr>
+            <p:ph type="sldNum" sz="quarter" idx="12"/>
+          </p:nvPr>
+        </p:nvSpPr>
+        <p:spPr/>
+        <p:txBody>
+          <a:bodyPr/>
+          <a:lstStyle/>
+          <a:p>
+            <a:fld id="{48F63A3B-78C7-47BE-AE5E-E10140E04643}" type="slidenum">
+              <a:rPr lang="en-US" smtClean="0"/>
+              <a:t>10</a:t>
+            </a:fld>
+            <a:endParaRPr lang="en-US" dirty="0"/>
+          </a:p>
+        </p:txBody>
+      </p:sp>
+      <p:pic>
+        <p:nvPicPr>
+          <p:cNvPr id="3" name="Picture 2">
+            <a:extLst>
+              <a:ext uri="{FF2B5EF4-FFF2-40B4-BE49-F238E27FC236}">
+                <a16:creationId xmlns:a16="http://schemas.microsoft.com/office/drawing/2014/main" id="{9D0B67AF-197F-F59A-FA1B-6376CC0E2B1B}"/>
+              </a:ext>
+            </a:extLst>
+          </p:cNvPr>
+          <p:cNvPicPr>
+            <a:picLocks noChangeAspect="1"/>
+          </p:cNvPicPr>
+          <p:nvPr/>
+        </p:nvPicPr>
+        <p:blipFill>
+          <a:blip r:embed="rId2"/>
+          <a:stretch>
+            <a:fillRect/>
+          </a:stretch>
+        </p:blipFill>
+        <p:spPr>
+          <a:xfrm>
+            <a:off x="675302" y="272204"/>
+            <a:ext cx="9950366" cy="3156796"/>
+          </a:xfrm>
+          <a:prstGeom prst="rect">
+            <a:avLst/>
+          </a:prstGeom>
+        </p:spPr>
+      </p:pic>
+      <p:pic>
+        <p:nvPicPr>
+          <p:cNvPr id="6" name="Picture 5">
+            <a:extLst>
+              <a:ext uri="{FF2B5EF4-FFF2-40B4-BE49-F238E27FC236}">
+                <a16:creationId xmlns:a16="http://schemas.microsoft.com/office/drawing/2014/main" id="{2E07AF9B-B7C3-43A2-2B8E-BE88C1D58DDD}"/>
+              </a:ext>
+            </a:extLst>
+          </p:cNvPr>
+          <p:cNvPicPr>
+            <a:picLocks noChangeAspect="1"/>
+          </p:cNvPicPr>
+          <p:nvPr/>
+        </p:nvPicPr>
+        <p:blipFill>
+          <a:blip r:embed="rId3"/>
+          <a:stretch>
+            <a:fillRect/>
+          </a:stretch>
+        </p:blipFill>
+        <p:spPr>
+          <a:xfrm>
+            <a:off x="482601" y="3552558"/>
+            <a:ext cx="10143068" cy="3217931"/>
+          </a:xfrm>
+          <a:prstGeom prst="rect">
+            <a:avLst/>
+          </a:prstGeom>
+        </p:spPr>
+      </p:pic>
+    </p:spTree>
+    <p:extLst>
+      <p:ext uri="{BB962C8B-B14F-4D97-AF65-F5344CB8AC3E}">
+        <p14:creationId xmlns:p14="http://schemas.microsoft.com/office/powerpoint/2010/main" val="3680548328"/>
+      </p:ext>
+    </p:extLst>
+  </p:cSld>
+  <p:clrMapOvr>
+    <a:masterClrMapping/>
+  </p:clrMapOvr>
+</p:sld>
+</file>
+
+<file path=ppt/slides/slide11.xml><?xml version="1.0" encoding="utf-8"?>
+<p:sld xmlns:a="http://schemas.openxmlformats.org/drawingml/2006/main" xmlns:r="http://schemas.openxmlformats.org/officeDocument/2006/relationships" xmlns:p="http://schemas.openxmlformats.org/presentationml/2006/main">
+  <p:cSld>
+    <p:spTree>
+      <p:nvGrpSpPr>
+        <p:cNvPr id="1" name=""/>
+        <p:cNvGrpSpPr/>
+        <p:nvPr/>
+      </p:nvGrpSpPr>
+      <p:grpSpPr>
+        <a:xfrm>
+          <a:off x="0" y="0"/>
+          <a:ext cx="0" cy="0"/>
+          <a:chOff x="0" y="0"/>
+          <a:chExt cx="0" cy="0"/>
+        </a:xfrm>
+      </p:grpSpPr>
+      <p:sp>
+        <p:nvSpPr>
+          <p:cNvPr id="7" name="Slide Number Placeholder 6">
+            <a:extLst>
+              <a:ext uri="{FF2B5EF4-FFF2-40B4-BE49-F238E27FC236}">
+                <a16:creationId xmlns:a16="http://schemas.microsoft.com/office/drawing/2014/main" id="{712D1D31-1A67-703B-DF69-CA8142BF6A2D}"/>
+              </a:ext>
+            </a:extLst>
+          </p:cNvPr>
+          <p:cNvSpPr>
+            <a:spLocks noGrp="1"/>
+          </p:cNvSpPr>
+          <p:nvPr>
+            <p:ph type="sldNum" sz="quarter" idx="12"/>
+          </p:nvPr>
+        </p:nvSpPr>
+        <p:spPr/>
+        <p:txBody>
+          <a:bodyPr/>
+          <a:lstStyle/>
+          <a:p>
+            <a:fld id="{48F63A3B-78C7-47BE-AE5E-E10140E04643}" type="slidenum">
+              <a:rPr lang="en-US" smtClean="0"/>
+              <a:t>11</a:t>
+            </a:fld>
+            <a:endParaRPr lang="en-US" dirty="0"/>
+          </a:p>
+        </p:txBody>
+      </p:sp>
+      <p:pic>
+        <p:nvPicPr>
+          <p:cNvPr id="3" name="Picture 2">
+            <a:extLst>
+              <a:ext uri="{FF2B5EF4-FFF2-40B4-BE49-F238E27FC236}">
+                <a16:creationId xmlns:a16="http://schemas.microsoft.com/office/drawing/2014/main" id="{BD04A8DB-E0D0-DCFD-5C63-9FAD20A7697E}"/>
+              </a:ext>
+            </a:extLst>
+          </p:cNvPr>
+          <p:cNvPicPr>
+            <a:picLocks noChangeAspect="1"/>
+          </p:cNvPicPr>
+          <p:nvPr/>
+        </p:nvPicPr>
+        <p:blipFill>
+          <a:blip r:embed="rId2"/>
+          <a:stretch>
+            <a:fillRect/>
+          </a:stretch>
+        </p:blipFill>
+        <p:spPr>
+          <a:xfrm>
+            <a:off x="838200" y="3713505"/>
+            <a:ext cx="9982199" cy="3099799"/>
+          </a:xfrm>
+          <a:prstGeom prst="rect">
+            <a:avLst/>
+          </a:prstGeom>
+        </p:spPr>
+      </p:pic>
+      <p:pic>
+        <p:nvPicPr>
+          <p:cNvPr id="5" name="Picture 4">
+            <a:extLst>
+              <a:ext uri="{FF2B5EF4-FFF2-40B4-BE49-F238E27FC236}">
+                <a16:creationId xmlns:a16="http://schemas.microsoft.com/office/drawing/2014/main" id="{13D3EA28-2110-68C1-16A3-066845CCC081}"/>
+              </a:ext>
+            </a:extLst>
+          </p:cNvPr>
+          <p:cNvPicPr>
+            <a:picLocks noChangeAspect="1"/>
+          </p:cNvPicPr>
+          <p:nvPr/>
+        </p:nvPicPr>
+        <p:blipFill>
+          <a:blip r:embed="rId3"/>
+          <a:stretch>
+            <a:fillRect/>
+          </a:stretch>
+        </p:blipFill>
+        <p:spPr>
+          <a:xfrm>
+            <a:off x="838200" y="594360"/>
+            <a:ext cx="9982199" cy="3099799"/>
+          </a:xfrm>
+          <a:prstGeom prst="rect">
+            <a:avLst/>
+          </a:prstGeom>
+        </p:spPr>
+      </p:pic>
+    </p:spTree>
+    <p:extLst>
+      <p:ext uri="{BB962C8B-B14F-4D97-AF65-F5344CB8AC3E}">
+        <p14:creationId xmlns:p14="http://schemas.microsoft.com/office/powerpoint/2010/main" val="2368175526"/>
+      </p:ext>
+    </p:extLst>
+  </p:cSld>
+  <p:clrMapOvr>
+    <a:masterClrMapping/>
+  </p:clrMapOvr>
+</p:sld>
+</file>
+
+<file path=ppt/slides/slide12.xml><?xml version="1.0" encoding="utf-8"?>
+<p:sld xmlns:a="http://schemas.openxmlformats.org/drawingml/2006/main" xmlns:r="http://schemas.openxmlformats.org/officeDocument/2006/relationships" xmlns:p="http://schemas.openxmlformats.org/presentationml/2006/main">
+  <p:cSld>
+    <p:spTree>
+      <p:nvGrpSpPr>
+        <p:cNvPr id="1" name=""/>
+        <p:cNvGrpSpPr/>
+        <p:nvPr/>
+      </p:nvGrpSpPr>
+      <p:grpSpPr>
+        <a:xfrm>
+          <a:off x="0" y="0"/>
+          <a:ext cx="0" cy="0"/>
+          <a:chOff x="0" y="0"/>
+          <a:chExt cx="0" cy="0"/>
+        </a:xfrm>
+      </p:grpSpPr>
+      <p:sp>
+        <p:nvSpPr>
+          <p:cNvPr id="7" name="Slide Number Placeholder 6">
+            <a:extLst>
+              <a:ext uri="{FF2B5EF4-FFF2-40B4-BE49-F238E27FC236}">
+                <a16:creationId xmlns:a16="http://schemas.microsoft.com/office/drawing/2014/main" id="{712D1D31-1A67-703B-DF69-CA8142BF6A2D}"/>
+              </a:ext>
+            </a:extLst>
+          </p:cNvPr>
+          <p:cNvSpPr>
+            <a:spLocks noGrp="1"/>
+          </p:cNvSpPr>
+          <p:nvPr>
+            <p:ph type="sldNum" sz="quarter" idx="12"/>
+          </p:nvPr>
+        </p:nvSpPr>
+        <p:spPr/>
+        <p:txBody>
+          <a:bodyPr/>
+          <a:lstStyle/>
+          <a:p>
+            <a:fld id="{48F63A3B-78C7-47BE-AE5E-E10140E04643}" type="slidenum">
+              <a:rPr lang="en-US" smtClean="0"/>
+              <a:t>12</a:t>
+            </a:fld>
+            <a:endParaRPr lang="en-US" dirty="0"/>
+          </a:p>
+        </p:txBody>
+      </p:sp>
+      <p:pic>
+        <p:nvPicPr>
+          <p:cNvPr id="5" name="Picture 4">
+            <a:extLst>
+              <a:ext uri="{FF2B5EF4-FFF2-40B4-BE49-F238E27FC236}">
+                <a16:creationId xmlns:a16="http://schemas.microsoft.com/office/drawing/2014/main" id="{E87B1373-EEFB-9000-0316-32CDC1E4F82E}"/>
+              </a:ext>
+            </a:extLst>
+          </p:cNvPr>
+          <p:cNvPicPr>
+            <a:picLocks noChangeAspect="1"/>
+          </p:cNvPicPr>
+          <p:nvPr/>
+        </p:nvPicPr>
+        <p:blipFill>
+          <a:blip r:embed="rId2"/>
+          <a:stretch>
+            <a:fillRect/>
+          </a:stretch>
+        </p:blipFill>
+        <p:spPr>
+          <a:xfrm>
+            <a:off x="1007533" y="3767912"/>
+            <a:ext cx="9558867" cy="3017662"/>
+          </a:xfrm>
+          <a:prstGeom prst="rect">
+            <a:avLst/>
+          </a:prstGeom>
+        </p:spPr>
+      </p:pic>
+      <p:pic>
+        <p:nvPicPr>
+          <p:cNvPr id="8" name="Picture 7">
+            <a:extLst>
+              <a:ext uri="{FF2B5EF4-FFF2-40B4-BE49-F238E27FC236}">
+                <a16:creationId xmlns:a16="http://schemas.microsoft.com/office/drawing/2014/main" id="{944FF4FF-DFBB-7CBC-5574-926825B0D3D3}"/>
+              </a:ext>
+            </a:extLst>
+          </p:cNvPr>
+          <p:cNvPicPr>
+            <a:picLocks noChangeAspect="1"/>
+          </p:cNvPicPr>
+          <p:nvPr/>
+        </p:nvPicPr>
+        <p:blipFill>
+          <a:blip r:embed="rId3"/>
+          <a:stretch>
+            <a:fillRect/>
+          </a:stretch>
+        </p:blipFill>
+        <p:spPr>
+          <a:xfrm>
+            <a:off x="1092200" y="457200"/>
+            <a:ext cx="9694333" cy="3060427"/>
+          </a:xfrm>
+          <a:prstGeom prst="rect">
+            <a:avLst/>
+          </a:prstGeom>
+        </p:spPr>
+      </p:pic>
+    </p:spTree>
+    <p:extLst>
+      <p:ext uri="{BB962C8B-B14F-4D97-AF65-F5344CB8AC3E}">
+        <p14:creationId xmlns:p14="http://schemas.microsoft.com/office/powerpoint/2010/main" val="3184722360"/>
+      </p:ext>
+    </p:extLst>
+  </p:cSld>
+  <p:clrMapOvr>
+    <a:masterClrMapping/>
+  </p:clrMapOvr>
+</p:sld>
+</file>
+
+<file path=ppt/slides/slide13.xml><?xml version="1.0" encoding="utf-8"?>
+<p:sld xmlns:a="http://schemas.openxmlformats.org/drawingml/2006/main" xmlns:r="http://schemas.openxmlformats.org/officeDocument/2006/relationships" xmlns:p="http://schemas.openxmlformats.org/presentationml/2006/main">
+  <p:cSld>
+    <p:spTree>
+      <p:nvGrpSpPr>
+        <p:cNvPr id="1" name=""/>
+        <p:cNvGrpSpPr/>
+        <p:nvPr/>
+      </p:nvGrpSpPr>
+      <p:grpSpPr>
+        <a:xfrm>
+          <a:off x="0" y="0"/>
+          <a:ext cx="0" cy="0"/>
+          <a:chOff x="0" y="0"/>
+          <a:chExt cx="0" cy="0"/>
+        </a:xfrm>
+      </p:grpSpPr>
+      <p:sp>
+        <p:nvSpPr>
+          <p:cNvPr id="7" name="Slide Number Placeholder 6">
+            <a:extLst>
+              <a:ext uri="{FF2B5EF4-FFF2-40B4-BE49-F238E27FC236}">
+                <a16:creationId xmlns:a16="http://schemas.microsoft.com/office/drawing/2014/main" id="{712D1D31-1A67-703B-DF69-CA8142BF6A2D}"/>
+              </a:ext>
+            </a:extLst>
+          </p:cNvPr>
+          <p:cNvSpPr>
+            <a:spLocks noGrp="1"/>
+          </p:cNvSpPr>
+          <p:nvPr>
+            <p:ph type="sldNum" sz="quarter" idx="12"/>
+          </p:nvPr>
+        </p:nvSpPr>
+        <p:spPr/>
+        <p:txBody>
+          <a:bodyPr/>
+          <a:lstStyle/>
+          <a:p>
+            <a:fld id="{48F63A3B-78C7-47BE-AE5E-E10140E04643}" type="slidenum">
+              <a:rPr lang="en-US" smtClean="0"/>
+              <a:t>13</a:t>
+            </a:fld>
+            <a:endParaRPr lang="en-US" dirty="0"/>
+          </a:p>
+        </p:txBody>
+      </p:sp>
+      <p:pic>
+        <p:nvPicPr>
+          <p:cNvPr id="3" name="Picture 2">
+            <a:extLst>
+              <a:ext uri="{FF2B5EF4-FFF2-40B4-BE49-F238E27FC236}">
+                <a16:creationId xmlns:a16="http://schemas.microsoft.com/office/drawing/2014/main" id="{0C9ED288-3F26-44B5-B95C-38855E021A5C}"/>
+              </a:ext>
+            </a:extLst>
+          </p:cNvPr>
+          <p:cNvPicPr>
+            <a:picLocks noChangeAspect="1"/>
+          </p:cNvPicPr>
+          <p:nvPr/>
+        </p:nvPicPr>
+        <p:blipFill>
+          <a:blip r:embed="rId2"/>
+          <a:stretch>
+            <a:fillRect/>
+          </a:stretch>
+        </p:blipFill>
+        <p:spPr>
+          <a:xfrm>
+            <a:off x="1202266" y="3732484"/>
+            <a:ext cx="9110133" cy="2844491"/>
+          </a:xfrm>
+          <a:prstGeom prst="rect">
+            <a:avLst/>
+          </a:prstGeom>
+        </p:spPr>
+      </p:pic>
+      <p:pic>
+        <p:nvPicPr>
+          <p:cNvPr id="5" name="Picture 4">
+            <a:extLst>
+              <a:ext uri="{FF2B5EF4-FFF2-40B4-BE49-F238E27FC236}">
+                <a16:creationId xmlns:a16="http://schemas.microsoft.com/office/drawing/2014/main" id="{29439B3D-F7B2-0B32-0DF2-92B58DAD233E}"/>
+              </a:ext>
+            </a:extLst>
+          </p:cNvPr>
+          <p:cNvPicPr>
+            <a:picLocks noChangeAspect="1"/>
+          </p:cNvPicPr>
+          <p:nvPr/>
+        </p:nvPicPr>
+        <p:blipFill>
+          <a:blip r:embed="rId3"/>
+          <a:stretch>
+            <a:fillRect/>
+          </a:stretch>
+        </p:blipFill>
+        <p:spPr>
+          <a:xfrm>
+            <a:off x="1406146" y="457200"/>
+            <a:ext cx="8830056" cy="2864528"/>
+          </a:xfrm>
+          <a:prstGeom prst="rect">
+            <a:avLst/>
+          </a:prstGeom>
+        </p:spPr>
+      </p:pic>
+    </p:spTree>
+    <p:extLst>
+      <p:ext uri="{BB962C8B-B14F-4D97-AF65-F5344CB8AC3E}">
+        <p14:creationId xmlns:p14="http://schemas.microsoft.com/office/powerpoint/2010/main" val="3574752888"/>
+      </p:ext>
+    </p:extLst>
+  </p:cSld>
+  <p:clrMapOvr>
+    <a:masterClrMapping/>
+  </p:clrMapOvr>
+</p:sld>
+</file>
+
+<file path=ppt/slides/slide14.xml><?xml version="1.0" encoding="utf-8"?>
+<p:sld xmlns:a="http://schemas.openxmlformats.org/drawingml/2006/main" xmlns:r="http://schemas.openxmlformats.org/officeDocument/2006/relationships" xmlns:p="http://schemas.openxmlformats.org/presentationml/2006/main">
+  <p:cSld>
+    <p:spTree>
+      <p:nvGrpSpPr>
+        <p:cNvPr id="1" name=""/>
+        <p:cNvGrpSpPr/>
+        <p:nvPr/>
+      </p:nvGrpSpPr>
+      <p:grpSpPr>
+        <a:xfrm>
+          <a:off x="0" y="0"/>
+          <a:ext cx="0" cy="0"/>
+          <a:chOff x="0" y="0"/>
+          <a:chExt cx="0" cy="0"/>
+        </a:xfrm>
+      </p:grpSpPr>
+      <p:sp>
+        <p:nvSpPr>
+          <p:cNvPr id="7" name="Slide Number Placeholder 6">
+            <a:extLst>
+              <a:ext uri="{FF2B5EF4-FFF2-40B4-BE49-F238E27FC236}">
+                <a16:creationId xmlns:a16="http://schemas.microsoft.com/office/drawing/2014/main" id="{712D1D31-1A67-703B-DF69-CA8142BF6A2D}"/>
+              </a:ext>
+            </a:extLst>
+          </p:cNvPr>
+          <p:cNvSpPr>
+            <a:spLocks noGrp="1"/>
+          </p:cNvSpPr>
+          <p:nvPr>
+            <p:ph type="sldNum" sz="quarter" idx="12"/>
+          </p:nvPr>
+        </p:nvSpPr>
+        <p:spPr/>
+        <p:txBody>
+          <a:bodyPr/>
+          <a:lstStyle/>
+          <a:p>
+            <a:fld id="{48F63A3B-78C7-47BE-AE5E-E10140E04643}" type="slidenum">
+              <a:rPr lang="en-US" smtClean="0"/>
+              <a:t>14</a:t>
+            </a:fld>
+            <a:endParaRPr lang="en-US" dirty="0"/>
+          </a:p>
+        </p:txBody>
+      </p:sp>
+      <p:sp>
+        <p:nvSpPr>
+          <p:cNvPr id="19" name="TextBox 18">
+            <a:extLst>
+              <a:ext uri="{FF2B5EF4-FFF2-40B4-BE49-F238E27FC236}">
+                <a16:creationId xmlns:a16="http://schemas.microsoft.com/office/drawing/2014/main" id="{9E224EF0-B5C0-B2D4-7BD4-4CB101AB39D5}"/>
+              </a:ext>
+            </a:extLst>
+          </p:cNvPr>
+          <p:cNvSpPr txBox="1"/>
+          <p:nvPr/>
+        </p:nvSpPr>
+        <p:spPr>
+          <a:xfrm>
+            <a:off x="735106" y="346436"/>
+            <a:ext cx="9986682" cy="646331"/>
+          </a:xfrm>
+          <a:prstGeom prst="rect">
+            <a:avLst/>
+          </a:prstGeom>
+          <a:noFill/>
+        </p:spPr>
+        <p:txBody>
+          <a:bodyPr wrap="square" rtlCol="0">
+            <a:spAutoFit/>
+          </a:bodyPr>
+          <a:lstStyle/>
+          <a:p>
+            <a:r>
+              <a:rPr lang="en-US" dirty="0">
+                <a:solidFill>
+                  <a:srgbClr val="0070C0"/>
+                </a:solidFill>
+              </a:rPr>
+              <a:t>Does the price index of a basket of goods and services paid by urban consumers affect the unemployment rate? </a:t>
+            </a:r>
+          </a:p>
+        </p:txBody>
+      </p:sp>
+      <p:pic>
+        <p:nvPicPr>
+          <p:cNvPr id="5" name="Picture 4">
+            <a:extLst>
+              <a:ext uri="{FF2B5EF4-FFF2-40B4-BE49-F238E27FC236}">
+                <a16:creationId xmlns:a16="http://schemas.microsoft.com/office/drawing/2014/main" id="{E5157E00-B068-16BA-FAF8-667879DD411C}"/>
+              </a:ext>
+            </a:extLst>
+          </p:cNvPr>
+          <p:cNvPicPr>
+            <a:picLocks noChangeAspect="1"/>
+          </p:cNvPicPr>
+          <p:nvPr/>
+        </p:nvPicPr>
+        <p:blipFill>
+          <a:blip r:embed="rId2"/>
+          <a:stretch>
+            <a:fillRect/>
+          </a:stretch>
+        </p:blipFill>
+        <p:spPr>
+          <a:xfrm>
+            <a:off x="6137767" y="1654997"/>
+            <a:ext cx="6096000" cy="5203003"/>
+          </a:xfrm>
+          <a:prstGeom prst="rect">
+            <a:avLst/>
+          </a:prstGeom>
+        </p:spPr>
+      </p:pic>
+      <p:pic>
+        <p:nvPicPr>
+          <p:cNvPr id="8" name="Picture 7">
+            <a:extLst>
+              <a:ext uri="{FF2B5EF4-FFF2-40B4-BE49-F238E27FC236}">
+                <a16:creationId xmlns:a16="http://schemas.microsoft.com/office/drawing/2014/main" id="{F997A3CB-4EB0-6982-1499-442710503D33}"/>
+              </a:ext>
+            </a:extLst>
+          </p:cNvPr>
+          <p:cNvPicPr>
+            <a:picLocks noChangeAspect="1"/>
+          </p:cNvPicPr>
+          <p:nvPr/>
+        </p:nvPicPr>
+        <p:blipFill>
+          <a:blip r:embed="rId3"/>
+          <a:stretch>
+            <a:fillRect/>
+          </a:stretch>
+        </p:blipFill>
+        <p:spPr>
+          <a:xfrm>
+            <a:off x="23029" y="1721583"/>
+            <a:ext cx="6072971" cy="5136417"/>
+          </a:xfrm>
+          <a:prstGeom prst="rect">
+            <a:avLst/>
+          </a:prstGeom>
+        </p:spPr>
+      </p:pic>
+    </p:spTree>
+    <p:extLst>
+      <p:ext uri="{BB962C8B-B14F-4D97-AF65-F5344CB8AC3E}">
+        <p14:creationId xmlns:p14="http://schemas.microsoft.com/office/powerpoint/2010/main" val="1070735127"/>
+      </p:ext>
+    </p:extLst>
+  </p:cSld>
+  <p:clrMapOvr>
+    <a:masterClrMapping/>
+  </p:clrMapOvr>
+</p:sld>
+</file>
+
+<file path=ppt/slides/slide15.xml><?xml version="1.0" encoding="utf-8"?>
+<p:sld xmlns:a="http://schemas.openxmlformats.org/drawingml/2006/main" xmlns:r="http://schemas.openxmlformats.org/officeDocument/2006/relationships" xmlns:p="http://schemas.openxmlformats.org/presentationml/2006/main">
+  <p:cSld>
+    <p:spTree>
+      <p:nvGrpSpPr>
+        <p:cNvPr id="1" name=""/>
+        <p:cNvGrpSpPr/>
+        <p:nvPr/>
+      </p:nvGrpSpPr>
+      <p:grpSpPr>
+        <a:xfrm>
+          <a:off x="0" y="0"/>
+          <a:ext cx="0" cy="0"/>
+          <a:chOff x="0" y="0"/>
+          <a:chExt cx="0" cy="0"/>
+        </a:xfrm>
+      </p:grpSpPr>
+      <p:sp>
+        <p:nvSpPr>
+          <p:cNvPr id="7" name="Slide Number Placeholder 6">
+            <a:extLst>
+              <a:ext uri="{FF2B5EF4-FFF2-40B4-BE49-F238E27FC236}">
+                <a16:creationId xmlns:a16="http://schemas.microsoft.com/office/drawing/2014/main" id="{712D1D31-1A67-703B-DF69-CA8142BF6A2D}"/>
+              </a:ext>
+            </a:extLst>
+          </p:cNvPr>
+          <p:cNvSpPr>
+            <a:spLocks noGrp="1"/>
+          </p:cNvSpPr>
+          <p:nvPr>
+            <p:ph type="sldNum" sz="quarter" idx="12"/>
+          </p:nvPr>
+        </p:nvSpPr>
+        <p:spPr/>
+        <p:txBody>
+          <a:bodyPr/>
+          <a:lstStyle/>
+          <a:p>
+            <a:fld id="{48F63A3B-78C7-47BE-AE5E-E10140E04643}" type="slidenum">
+              <a:rPr lang="en-US" smtClean="0"/>
+              <a:t>15</a:t>
+            </a:fld>
+            <a:endParaRPr lang="en-US" dirty="0"/>
+          </a:p>
+        </p:txBody>
+      </p:sp>
+      <p:sp>
+        <p:nvSpPr>
+          <p:cNvPr id="6" name="TextBox 5">
+            <a:extLst>
+              <a:ext uri="{FF2B5EF4-FFF2-40B4-BE49-F238E27FC236}">
+                <a16:creationId xmlns:a16="http://schemas.microsoft.com/office/drawing/2014/main" id="{1CF16628-46CF-5313-82A9-B0A6B46A8ADB}"/>
+              </a:ext>
+            </a:extLst>
+          </p:cNvPr>
+          <p:cNvSpPr txBox="1"/>
+          <p:nvPr/>
+        </p:nvSpPr>
+        <p:spPr>
+          <a:xfrm>
+            <a:off x="704787" y="1128646"/>
+            <a:ext cx="10940365" cy="369332"/>
+          </a:xfrm>
+          <a:prstGeom prst="rect">
+            <a:avLst/>
+          </a:prstGeom>
+          <a:noFill/>
+        </p:spPr>
+        <p:txBody>
+          <a:bodyPr wrap="square" rtlCol="0">
+            <a:spAutoFit/>
+          </a:bodyPr>
+          <a:lstStyle/>
+          <a:p>
+            <a:endParaRPr lang="en-US" dirty="0"/>
+          </a:p>
+        </p:txBody>
+      </p:sp>
+      <p:pic>
+        <p:nvPicPr>
+          <p:cNvPr id="12" name="Picture 11">
+            <a:extLst>
+              <a:ext uri="{FF2B5EF4-FFF2-40B4-BE49-F238E27FC236}">
+                <a16:creationId xmlns:a16="http://schemas.microsoft.com/office/drawing/2014/main" id="{E006A8C8-DE88-F72B-22B7-84FC232E1527}"/>
+              </a:ext>
+            </a:extLst>
+          </p:cNvPr>
+          <p:cNvPicPr>
+            <a:picLocks noChangeAspect="1"/>
+          </p:cNvPicPr>
+          <p:nvPr/>
+        </p:nvPicPr>
+        <p:blipFill>
+          <a:blip r:embed="rId2"/>
+          <a:stretch>
+            <a:fillRect/>
+          </a:stretch>
+        </p:blipFill>
+        <p:spPr>
+          <a:xfrm>
+            <a:off x="-1" y="1933979"/>
+            <a:ext cx="6003509" cy="4880080"/>
+          </a:xfrm>
+          <a:prstGeom prst="rect">
+            <a:avLst/>
+          </a:prstGeom>
+        </p:spPr>
+      </p:pic>
+      <p:pic>
+        <p:nvPicPr>
+          <p:cNvPr id="17" name="Picture 16">
+            <a:extLst>
+              <a:ext uri="{FF2B5EF4-FFF2-40B4-BE49-F238E27FC236}">
+                <a16:creationId xmlns:a16="http://schemas.microsoft.com/office/drawing/2014/main" id="{10C4B1AC-40F2-744C-2191-85C00EAA7E31}"/>
+              </a:ext>
+            </a:extLst>
+          </p:cNvPr>
+          <p:cNvPicPr>
+            <a:picLocks noChangeAspect="1"/>
+          </p:cNvPicPr>
+          <p:nvPr/>
+        </p:nvPicPr>
+        <p:blipFill>
+          <a:blip r:embed="rId3"/>
+          <a:stretch>
+            <a:fillRect/>
+          </a:stretch>
+        </p:blipFill>
+        <p:spPr>
+          <a:xfrm>
+            <a:off x="6096001" y="1880331"/>
+            <a:ext cx="6096000" cy="4933728"/>
+          </a:xfrm>
+          <a:prstGeom prst="rect">
+            <a:avLst/>
+          </a:prstGeom>
+        </p:spPr>
+      </p:pic>
+      <p:sp>
+        <p:nvSpPr>
+          <p:cNvPr id="18" name="TextBox 17">
+            <a:extLst>
+              <a:ext uri="{FF2B5EF4-FFF2-40B4-BE49-F238E27FC236}">
+                <a16:creationId xmlns:a16="http://schemas.microsoft.com/office/drawing/2014/main" id="{7F247168-3CE5-C12B-A946-845FCB624025}"/>
+              </a:ext>
+            </a:extLst>
+          </p:cNvPr>
+          <p:cNvSpPr txBox="1"/>
+          <p:nvPr/>
+        </p:nvSpPr>
+        <p:spPr>
+          <a:xfrm>
+            <a:off x="735106" y="346436"/>
+            <a:ext cx="9986682" cy="646331"/>
+          </a:xfrm>
+          <a:prstGeom prst="rect">
+            <a:avLst/>
+          </a:prstGeom>
+          <a:noFill/>
+        </p:spPr>
+        <p:txBody>
+          <a:bodyPr wrap="square" rtlCol="0">
+            <a:spAutoFit/>
+          </a:bodyPr>
+          <a:lstStyle/>
+          <a:p>
+            <a:r>
+              <a:rPr lang="en-US" dirty="0">
+                <a:solidFill>
+                  <a:srgbClr val="0070C0"/>
+                </a:solidFill>
+              </a:rPr>
+              <a:t>Does the price index of a basket of goods and services paid by urban consumers affect the single family home value ? </a:t>
+            </a:r>
+          </a:p>
+        </p:txBody>
+      </p:sp>
+    </p:spTree>
+    <p:extLst>
+      <p:ext uri="{BB962C8B-B14F-4D97-AF65-F5344CB8AC3E}">
+        <p14:creationId xmlns:p14="http://schemas.microsoft.com/office/powerpoint/2010/main" val="2785269964"/>
+      </p:ext>
+    </p:extLst>
+  </p:cSld>
+  <p:clrMapOvr>
+    <a:masterClrMapping/>
+  </p:clrMapOvr>
+</p:sld>
+</file>
+
+<file path=ppt/slides/slide16.xml><?xml version="1.0" encoding="utf-8"?>
+<p:sld xmlns:a="http://schemas.openxmlformats.org/drawingml/2006/main" xmlns:r="http://schemas.openxmlformats.org/officeDocument/2006/relationships" xmlns:p="http://schemas.openxmlformats.org/presentationml/2006/main">
+  <p:cSld>
+    <p:spTree>
+      <p:nvGrpSpPr>
+        <p:cNvPr id="1" name=""/>
+        <p:cNvGrpSpPr/>
+        <p:nvPr/>
+      </p:nvGrpSpPr>
+      <p:grpSpPr>
+        <a:xfrm>
+          <a:off x="0" y="0"/>
+          <a:ext cx="0" cy="0"/>
+          <a:chOff x="0" y="0"/>
+          <a:chExt cx="0" cy="0"/>
+        </a:xfrm>
+      </p:grpSpPr>
+      <p:sp>
+        <p:nvSpPr>
+          <p:cNvPr id="7" name="Slide Number Placeholder 6">
+            <a:extLst>
+              <a:ext uri="{FF2B5EF4-FFF2-40B4-BE49-F238E27FC236}">
+                <a16:creationId xmlns:a16="http://schemas.microsoft.com/office/drawing/2014/main" id="{712D1D31-1A67-703B-DF69-CA8142BF6A2D}"/>
+              </a:ext>
+            </a:extLst>
+          </p:cNvPr>
+          <p:cNvSpPr>
+            <a:spLocks noGrp="1"/>
+          </p:cNvSpPr>
+          <p:nvPr>
+            <p:ph type="sldNum" sz="quarter" idx="12"/>
+          </p:nvPr>
+        </p:nvSpPr>
+        <p:spPr/>
+        <p:txBody>
+          <a:bodyPr/>
+          <a:lstStyle/>
+          <a:p>
+            <a:fld id="{48F63A3B-78C7-47BE-AE5E-E10140E04643}" type="slidenum">
+              <a:rPr lang="en-US" smtClean="0"/>
+              <a:t>16</a:t>
+            </a:fld>
+            <a:endParaRPr lang="en-US" dirty="0"/>
+          </a:p>
+        </p:txBody>
+      </p:sp>
+      <p:pic>
+        <p:nvPicPr>
+          <p:cNvPr id="3" name="Picture 2">
+            <a:extLst>
+              <a:ext uri="{FF2B5EF4-FFF2-40B4-BE49-F238E27FC236}">
+                <a16:creationId xmlns:a16="http://schemas.microsoft.com/office/drawing/2014/main" id="{3361E7CA-FB77-DA66-CAF6-DC051B60A022}"/>
+              </a:ext>
+            </a:extLst>
+          </p:cNvPr>
+          <p:cNvPicPr>
+            <a:picLocks noChangeAspect="1"/>
+          </p:cNvPicPr>
+          <p:nvPr/>
+        </p:nvPicPr>
+        <p:blipFill>
+          <a:blip r:embed="rId2"/>
+          <a:stretch>
+            <a:fillRect/>
+          </a:stretch>
+        </p:blipFill>
+        <p:spPr>
+          <a:xfrm>
+            <a:off x="72205" y="1694329"/>
+            <a:ext cx="5947628" cy="5056094"/>
+          </a:xfrm>
+          <a:prstGeom prst="rect">
+            <a:avLst/>
+          </a:prstGeom>
+        </p:spPr>
+      </p:pic>
+      <p:pic>
+        <p:nvPicPr>
+          <p:cNvPr id="8" name="Picture 7">
+            <a:extLst>
+              <a:ext uri="{FF2B5EF4-FFF2-40B4-BE49-F238E27FC236}">
+                <a16:creationId xmlns:a16="http://schemas.microsoft.com/office/drawing/2014/main" id="{31F33CA5-0435-6376-A1E2-1FEE176A6238}"/>
+              </a:ext>
+            </a:extLst>
+          </p:cNvPr>
+          <p:cNvPicPr>
+            <a:picLocks noChangeAspect="1"/>
+          </p:cNvPicPr>
+          <p:nvPr/>
+        </p:nvPicPr>
+        <p:blipFill>
+          <a:blip r:embed="rId3"/>
+          <a:stretch>
+            <a:fillRect/>
+          </a:stretch>
+        </p:blipFill>
+        <p:spPr>
+          <a:xfrm>
+            <a:off x="6172168" y="1703419"/>
+            <a:ext cx="5947628" cy="5015628"/>
+          </a:xfrm>
+          <a:prstGeom prst="rect">
+            <a:avLst/>
+          </a:prstGeom>
+        </p:spPr>
+      </p:pic>
+      <p:sp>
+        <p:nvSpPr>
+          <p:cNvPr id="12" name="TextBox 11">
+            <a:extLst>
+              <a:ext uri="{FF2B5EF4-FFF2-40B4-BE49-F238E27FC236}">
+                <a16:creationId xmlns:a16="http://schemas.microsoft.com/office/drawing/2014/main" id="{A7A76E0C-6AD4-3D9F-9AD9-21F01439449A}"/>
+              </a:ext>
+            </a:extLst>
+          </p:cNvPr>
+          <p:cNvSpPr txBox="1"/>
+          <p:nvPr/>
+        </p:nvSpPr>
+        <p:spPr>
+          <a:xfrm>
+            <a:off x="1013011" y="1155551"/>
+            <a:ext cx="7541680" cy="369332"/>
+          </a:xfrm>
+          <a:prstGeom prst="rect">
+            <a:avLst/>
+          </a:prstGeom>
+          <a:noFill/>
+        </p:spPr>
+        <p:txBody>
+          <a:bodyPr wrap="none" rtlCol="0">
+            <a:spAutoFit/>
+          </a:bodyPr>
+          <a:lstStyle/>
+          <a:p>
+            <a:r>
+              <a:rPr lang="en-US" dirty="0"/>
+              <a:t>Positive relationship, p-value is high, hypothesis is less statistically significant</a:t>
+            </a:r>
+          </a:p>
+        </p:txBody>
+      </p:sp>
+      <p:sp>
+        <p:nvSpPr>
+          <p:cNvPr id="13" name="TextBox 12">
+            <a:extLst>
+              <a:ext uri="{FF2B5EF4-FFF2-40B4-BE49-F238E27FC236}">
+                <a16:creationId xmlns:a16="http://schemas.microsoft.com/office/drawing/2014/main" id="{AD8A6939-E524-EE60-7CD7-7A93EE57E42E}"/>
+              </a:ext>
+            </a:extLst>
+          </p:cNvPr>
+          <p:cNvSpPr txBox="1"/>
+          <p:nvPr/>
+        </p:nvSpPr>
+        <p:spPr>
+          <a:xfrm>
+            <a:off x="735106" y="346436"/>
+            <a:ext cx="9986682" cy="646331"/>
+          </a:xfrm>
+          <a:prstGeom prst="rect">
+            <a:avLst/>
+          </a:prstGeom>
+          <a:noFill/>
+        </p:spPr>
+        <p:txBody>
+          <a:bodyPr wrap="square" rtlCol="0">
+            <a:spAutoFit/>
+          </a:bodyPr>
+          <a:lstStyle/>
+          <a:p>
+            <a:r>
+              <a:rPr lang="en-US" dirty="0">
+                <a:solidFill>
+                  <a:srgbClr val="0070C0"/>
+                </a:solidFill>
+              </a:rPr>
+              <a:t>Does the price index of a basket of goods and services paid by urban consumers affect the hourly earnings of all employees? </a:t>
+            </a:r>
+          </a:p>
+        </p:txBody>
+      </p:sp>
+    </p:spTree>
+    <p:extLst>
+      <p:ext uri="{BB962C8B-B14F-4D97-AF65-F5344CB8AC3E}">
+        <p14:creationId xmlns:p14="http://schemas.microsoft.com/office/powerpoint/2010/main" val="921859696"/>
+      </p:ext>
+    </p:extLst>
+  </p:cSld>
+  <p:clrMapOvr>
+    <a:masterClrMapping/>
+  </p:clrMapOvr>
+</p:sld>
+</file>
+
+<file path=ppt/slides/slide17.xml><?xml version="1.0" encoding="utf-8"?>
+<p:sld xmlns:a="http://schemas.openxmlformats.org/drawingml/2006/main" xmlns:r="http://schemas.openxmlformats.org/officeDocument/2006/relationships" xmlns:p="http://schemas.openxmlformats.org/presentationml/2006/main">
+  <p:cSld>
+    <p:spTree>
+      <p:nvGrpSpPr>
+        <p:cNvPr id="1" name=""/>
+        <p:cNvGrpSpPr/>
+        <p:nvPr/>
+      </p:nvGrpSpPr>
+      <p:grpSpPr>
+        <a:xfrm>
+          <a:off x="0" y="0"/>
+          <a:ext cx="0" cy="0"/>
+          <a:chOff x="0" y="0"/>
+          <a:chExt cx="0" cy="0"/>
+        </a:xfrm>
+      </p:grpSpPr>
+      <p:sp>
+        <p:nvSpPr>
+          <p:cNvPr id="7" name="Slide Number Placeholder 6">
+            <a:extLst>
+              <a:ext uri="{FF2B5EF4-FFF2-40B4-BE49-F238E27FC236}">
+                <a16:creationId xmlns:a16="http://schemas.microsoft.com/office/drawing/2014/main" id="{712D1D31-1A67-703B-DF69-CA8142BF6A2D}"/>
+              </a:ext>
+            </a:extLst>
+          </p:cNvPr>
+          <p:cNvSpPr>
+            <a:spLocks noGrp="1"/>
+          </p:cNvSpPr>
+          <p:nvPr>
+            <p:ph type="sldNum" sz="quarter" idx="12"/>
+          </p:nvPr>
+        </p:nvSpPr>
+        <p:spPr/>
+        <p:txBody>
+          <a:bodyPr/>
+          <a:lstStyle/>
+          <a:p>
+            <a:fld id="{48F63A3B-78C7-47BE-AE5E-E10140E04643}" type="slidenum">
+              <a:rPr lang="en-US" smtClean="0"/>
+              <a:t>17</a:t>
+            </a:fld>
+            <a:endParaRPr lang="en-US" dirty="0"/>
+          </a:p>
+        </p:txBody>
+      </p:sp>
+      <p:pic>
+        <p:nvPicPr>
+          <p:cNvPr id="5" name="Picture 4">
+            <a:extLst>
+              <a:ext uri="{FF2B5EF4-FFF2-40B4-BE49-F238E27FC236}">
+                <a16:creationId xmlns:a16="http://schemas.microsoft.com/office/drawing/2014/main" id="{9AB10F72-0577-0969-8A6B-AE65571AFAED}"/>
+              </a:ext>
+            </a:extLst>
+          </p:cNvPr>
+          <p:cNvPicPr>
+            <a:picLocks noChangeAspect="1"/>
+          </p:cNvPicPr>
+          <p:nvPr/>
+        </p:nvPicPr>
+        <p:blipFill>
+          <a:blip r:embed="rId2"/>
+          <a:stretch>
+            <a:fillRect/>
+          </a:stretch>
+        </p:blipFill>
+        <p:spPr>
+          <a:xfrm>
+            <a:off x="49258" y="1804536"/>
+            <a:ext cx="6046742" cy="5047129"/>
+          </a:xfrm>
+          <a:prstGeom prst="rect">
+            <a:avLst/>
+          </a:prstGeom>
+        </p:spPr>
+      </p:pic>
+      <p:pic>
+        <p:nvPicPr>
+          <p:cNvPr id="8" name="Picture 7">
+            <a:extLst>
+              <a:ext uri="{FF2B5EF4-FFF2-40B4-BE49-F238E27FC236}">
+                <a16:creationId xmlns:a16="http://schemas.microsoft.com/office/drawing/2014/main" id="{53165469-1F14-F8E8-A928-31387A1720FB}"/>
+              </a:ext>
+            </a:extLst>
+          </p:cNvPr>
+          <p:cNvPicPr>
+            <a:picLocks noChangeAspect="1"/>
+          </p:cNvPicPr>
+          <p:nvPr/>
+        </p:nvPicPr>
+        <p:blipFill>
+          <a:blip r:embed="rId3"/>
+          <a:stretch>
+            <a:fillRect/>
+          </a:stretch>
+        </p:blipFill>
+        <p:spPr>
+          <a:xfrm>
+            <a:off x="6145258" y="1843331"/>
+            <a:ext cx="6046742" cy="5014668"/>
+          </a:xfrm>
+          <a:prstGeom prst="rect">
+            <a:avLst/>
+          </a:prstGeom>
+        </p:spPr>
+      </p:pic>
+      <p:sp>
+        <p:nvSpPr>
+          <p:cNvPr id="10" name="TextBox 9">
+            <a:extLst>
+              <a:ext uri="{FF2B5EF4-FFF2-40B4-BE49-F238E27FC236}">
+                <a16:creationId xmlns:a16="http://schemas.microsoft.com/office/drawing/2014/main" id="{CAAA7E71-EA3E-B7E9-FED6-AAF34F201BDF}"/>
+              </a:ext>
+            </a:extLst>
+          </p:cNvPr>
+          <p:cNvSpPr txBox="1"/>
+          <p:nvPr/>
+        </p:nvSpPr>
+        <p:spPr>
+          <a:xfrm>
+            <a:off x="448236" y="160032"/>
+            <a:ext cx="9986682" cy="646331"/>
+          </a:xfrm>
+          <a:prstGeom prst="rect">
+            <a:avLst/>
+          </a:prstGeom>
+          <a:noFill/>
+        </p:spPr>
+        <p:txBody>
+          <a:bodyPr wrap="square" rtlCol="0">
+            <a:spAutoFit/>
+          </a:bodyPr>
+          <a:lstStyle/>
+          <a:p>
+            <a:r>
+              <a:rPr lang="en-US" dirty="0">
+                <a:solidFill>
+                  <a:srgbClr val="0070C0"/>
+                </a:solidFill>
+              </a:rPr>
+              <a:t>Does the price index of a basket of goods and services paid by urban consumers affect the 30 year fixed mortgage interest rate? </a:t>
+            </a:r>
+          </a:p>
+        </p:txBody>
+      </p:sp>
+    </p:spTree>
+    <p:extLst>
+      <p:ext uri="{BB962C8B-B14F-4D97-AF65-F5344CB8AC3E}">
+        <p14:creationId xmlns:p14="http://schemas.microsoft.com/office/powerpoint/2010/main" val="3639668294"/>
+      </p:ext>
+    </p:extLst>
+  </p:cSld>
+  <p:clrMapOvr>
+    <a:masterClrMapping/>
+  </p:clrMapOvr>
+</p:sld>
+</file>
+
+<file path=ppt/slides/slide18.xml><?xml version="1.0" encoding="utf-8"?>
+<p:sld xmlns:a="http://schemas.openxmlformats.org/drawingml/2006/main" xmlns:r="http://schemas.openxmlformats.org/officeDocument/2006/relationships" xmlns:p="http://schemas.openxmlformats.org/presentationml/2006/main">
+  <p:cSld>
+    <p:spTree>
+      <p:nvGrpSpPr>
+        <p:cNvPr id="1" name=""/>
+        <p:cNvGrpSpPr/>
+        <p:nvPr/>
+      </p:nvGrpSpPr>
+      <p:grpSpPr>
+        <a:xfrm>
+          <a:off x="0" y="0"/>
+          <a:ext cx="0" cy="0"/>
+          <a:chOff x="0" y="0"/>
+          <a:chExt cx="0" cy="0"/>
+        </a:xfrm>
+      </p:grpSpPr>
+      <p:sp>
+        <p:nvSpPr>
           <p:cNvPr id="2" name="Title 1">
             <a:extLst>
               <a:ext uri="{FF2B5EF4-FFF2-40B4-BE49-F238E27FC236}">
@@ -23263,7 +24446,12 @@
             <p:ph type="title"/>
           </p:nvPr>
         </p:nvSpPr>
-        <p:spPr/>
+        <p:spPr>
+          <a:xfrm>
+            <a:off x="6300216" y="210312"/>
+            <a:ext cx="6766560" cy="768096"/>
+          </a:xfrm>
+        </p:spPr>
         <p:txBody>
           <a:bodyPr/>
           <a:lstStyle/>
@@ -23272,35 +24460,6 @@
               <a:rPr lang="en-US" dirty="0"/>
               <a:t>SUMMARY </a:t>
             </a:r>
-          </a:p>
-        </p:txBody>
-      </p:sp>
-      <p:sp>
-        <p:nvSpPr>
-          <p:cNvPr id="4" name="Footer Placeholder 3">
-            <a:extLst>
-              <a:ext uri="{FF2B5EF4-FFF2-40B4-BE49-F238E27FC236}">
-                <a16:creationId xmlns:a16="http://schemas.microsoft.com/office/drawing/2014/main" id="{D5BA2433-990B-A170-369A-3DF4A9B33BFA}"/>
-              </a:ext>
-            </a:extLst>
-          </p:cNvPr>
-          <p:cNvSpPr>
-            <a:spLocks noGrp="1"/>
-          </p:cNvSpPr>
-          <p:nvPr>
-            <p:ph type="ftr" sz="quarter" idx="13"/>
-          </p:nvPr>
-        </p:nvSpPr>
-        <p:spPr/>
-        <p:txBody>
-          <a:bodyPr/>
-          <a:lstStyle/>
-          <a:p>
-            <a:r>
-              <a:rPr lang="en-US"/>
-              <a:t>Presentation title</a:t>
-            </a:r>
-            <a:endParaRPr lang="en-US" dirty="0"/>
           </a:p>
         </p:txBody>
       </p:sp>
@@ -23328,7 +24487,7 @@
             <a:fld id="{48F63A3B-78C7-47BE-AE5E-E10140E04643}" type="slidenum">
               <a:rPr lang="en-US" smtClean="0"/>
               <a:pPr/>
-              <a:t>10</a:t>
+              <a:t>18</a:t>
             </a:fld>
             <a:endParaRPr lang="en-US" dirty="0"/>
           </a:p>
@@ -23350,16 +24509,15 @@
             <p:ph idx="1"/>
           </p:nvPr>
         </p:nvSpPr>
-        <p:spPr/>
+        <p:spPr>
+          <a:xfrm>
+            <a:off x="45720" y="731520"/>
+            <a:ext cx="8970264" cy="4114800"/>
+          </a:xfrm>
+        </p:spPr>
         <p:txBody>
           <a:bodyPr/>
           <a:lstStyle/>
-          <a:p>
-            <a:r>
-              <a:rPr lang="en-US" dirty="0"/>
-              <a:t>At Contoso, we believe in giving 110%. By using our next-generation data architecture, we help organizations virtually manage agile workflows. We thrive because of our market knowledge and great team behind our product. As our CEO says, "Efficiencies will come from proactively transforming how we do business."</a:t>
-            </a:r>
-          </a:p>
           <a:p>
             <a:endParaRPr lang="en-US" dirty="0"/>
           </a:p>
@@ -23378,7 +24536,7 @@
 </p:sld>
 </file>
 
-<file path=ppt/slides/slide11.xml><?xml version="1.0" encoding="utf-8"?>
+<file path=ppt/slides/slide19.xml><?xml version="1.0" encoding="utf-8"?>
 <p:sld xmlns:a="http://schemas.openxmlformats.org/drawingml/2006/main" xmlns:r="http://schemas.openxmlformats.org/officeDocument/2006/relationships" xmlns:p="http://schemas.openxmlformats.org/presentationml/2006/main">
   <p:cSld>
     <p:spTree>
@@ -23513,64 +24671,406 @@
           <a:lstStyle/>
           <a:p>
             <a:r>
-              <a:rPr lang="en-US" dirty="0"/>
-              <a:t>Data collection and analysis of </a:t>
+              <a:rPr lang="en-US" dirty="0">
+                <a:solidFill>
+                  <a:schemeClr val="tx1"/>
+                </a:solidFill>
+              </a:rPr>
+              <a:t>Data collected from the Federal Reserve and Zillow. </a:t>
             </a:r>
           </a:p>
           <a:p>
+            <a:pPr marL="285750" indent="-285750">
+              <a:buFontTx/>
+              <a:buChar char="-"/>
+            </a:pPr>
             <a:r>
-              <a:rPr lang="en-US" b="1" dirty="0"/>
-              <a:t>- 30 Year Fixed Rate Mortgage Average from https://api.stlouisfed.org/fred/series/observations?</a:t>
+              <a:rPr lang="en-US" b="1" dirty="0">
+                <a:solidFill>
+                  <a:schemeClr val="tx1"/>
+                </a:solidFill>
+              </a:rPr>
+              <a:t>30 Year Fixed Rate Mortgage Average </a:t>
             </a:r>
           </a:p>
           <a:p>
             <a:r>
-              <a:rPr lang="en-US" b="1" dirty="0"/>
-              <a:t>- Average Hourly Earnings of All Employees from https://api.stlouisfed.org/fred/series/observations?</a:t>
-            </a:r>
-          </a:p>
-          <a:p>
-            <a:r>
-              <a:rPr lang="en-US" b="1" dirty="0"/>
-              <a:t>- Unemployment rate. Data obtained from https://fred.stlouisfed.org</a:t>
-            </a:r>
-          </a:p>
-          <a:p>
-            <a:r>
-              <a:rPr lang="en-US" b="1" dirty="0"/>
-              <a:t>- Single Family Home value average (ZSFH) from Zillow</a:t>
-            </a:r>
-          </a:p>
-          <a:p>
-            <a:r>
-              <a:rPr lang="en-US" b="1" dirty="0"/>
-              <a:t>- Consumer Price Index for All Urban Consumers. Data source </a:t>
+              <a:rPr lang="en-US" b="1" dirty="0">
+                <a:solidFill>
+                  <a:schemeClr val="accent6">
+                    <a:lumMod val="60000"/>
+                    <a:lumOff val="40000"/>
+                  </a:schemeClr>
+                </a:solidFill>
+              </a:rPr>
+              <a:t>	 </a:t>
             </a:r>
             <a:r>
               <a:rPr lang="en-US" b="1" dirty="0">
+                <a:solidFill>
+                  <a:schemeClr val="accent6">
+                    <a:lumMod val="60000"/>
+                    <a:lumOff val="40000"/>
+                  </a:schemeClr>
+                </a:solidFill>
                 <a:hlinkClick r:id="rId2"/>
               </a:rPr>
-              <a:t>https://fred.stlouisfed.org</a:t>
+              <a:t>https://api.stlouisfed.org/fred/series/observations</a:t>
             </a:r>
-            <a:endParaRPr lang="en-US" b="1" dirty="0"/>
-          </a:p>
-          <a:p>
-            <a:endParaRPr lang="en-US" dirty="0"/>
-          </a:p>
-          <a:p>
-            <a:endParaRPr lang="en-US" dirty="0"/>
-          </a:p>
-          <a:p>
             <a:r>
-              <a:rPr lang="en-US" dirty="0"/>
-              <a:t>Data set used independently in our analysis as a reference. </a:t>
+              <a:rPr lang="en-US" b="1" dirty="0">
+                <a:solidFill>
+                  <a:schemeClr val="accent6">
+                    <a:lumMod val="60000"/>
+                    <a:lumOff val="40000"/>
+                  </a:schemeClr>
+                </a:solidFill>
+              </a:rPr>
+              <a:t>?</a:t>
             </a:r>
           </a:p>
           <a:p>
+            <a:pPr marL="285750" indent="-285750">
+              <a:buFontTx/>
+              <a:buChar char="-"/>
+            </a:pPr>
             <a:r>
-              <a:rPr lang="en-US" b="1" dirty="0"/>
-              <a:t>- Gross domestic product from https://fred.stlouisfed.org </a:t>
+              <a:rPr lang="en-US" b="1" dirty="0">
+                <a:solidFill>
+                  <a:schemeClr val="tx1"/>
+                </a:solidFill>
+              </a:rPr>
+              <a:t>Average Hourly Earnings of All Employees, Private Service-Providing	</a:t>
             </a:r>
+          </a:p>
+          <a:p>
+            <a:r>
+              <a:rPr lang="en-US" b="1" dirty="0">
+                <a:solidFill>
+                  <a:schemeClr val="accent6">
+                    <a:lumMod val="60000"/>
+                    <a:lumOff val="40000"/>
+                  </a:schemeClr>
+                </a:solidFill>
+              </a:rPr>
+              <a:t> 	</a:t>
+            </a:r>
+            <a:r>
+              <a:rPr lang="en-US" b="1" dirty="0">
+                <a:solidFill>
+                  <a:schemeClr val="accent6">
+                    <a:lumMod val="60000"/>
+                    <a:lumOff val="40000"/>
+                  </a:schemeClr>
+                </a:solidFill>
+                <a:hlinkClick r:id="rId2"/>
+              </a:rPr>
+              <a:t>https://api.stlouisfed.org/fred/series/observations</a:t>
+            </a:r>
+            <a:r>
+              <a:rPr lang="en-US" b="1" dirty="0">
+                <a:solidFill>
+                  <a:schemeClr val="accent6">
+                    <a:lumMod val="60000"/>
+                    <a:lumOff val="40000"/>
+                  </a:schemeClr>
+                </a:solidFill>
+              </a:rPr>
+              <a:t>?</a:t>
+            </a:r>
+          </a:p>
+          <a:p>
+            <a:pPr marL="285750" indent="-285750">
+              <a:buFontTx/>
+              <a:buChar char="-"/>
+            </a:pPr>
+            <a:r>
+              <a:rPr lang="en-US" b="1" dirty="0">
+                <a:solidFill>
+                  <a:schemeClr val="tx1"/>
+                </a:solidFill>
+              </a:rPr>
+              <a:t>Unemployment rate using the Nasdaq library </a:t>
+            </a:r>
+          </a:p>
+          <a:p>
+            <a:r>
+              <a:rPr lang="en-US" b="1" dirty="0">
+                <a:solidFill>
+                  <a:schemeClr val="accent6">
+                    <a:lumMod val="60000"/>
+                    <a:lumOff val="40000"/>
+                  </a:schemeClr>
+                </a:solidFill>
+              </a:rPr>
+              <a:t>	</a:t>
+            </a:r>
+            <a:r>
+              <a:rPr lang="en-US" b="1" dirty="0">
+                <a:solidFill>
+                  <a:schemeClr val="accent6">
+                    <a:lumMod val="60000"/>
+                    <a:lumOff val="40000"/>
+                  </a:schemeClr>
+                </a:solidFill>
+                <a:hlinkClick r:id="rId2"/>
+              </a:rPr>
+              <a:t>https://api.stlouisfed.org/fred/series/observations</a:t>
+            </a:r>
+            <a:r>
+              <a:rPr lang="en-US" b="1" dirty="0">
+                <a:solidFill>
+                  <a:schemeClr val="accent6">
+                    <a:lumMod val="60000"/>
+                    <a:lumOff val="40000"/>
+                  </a:schemeClr>
+                </a:solidFill>
+              </a:rPr>
+              <a:t>?</a:t>
+            </a:r>
+          </a:p>
+          <a:p>
+            <a:pPr marL="285750" indent="-285750">
+              <a:buFontTx/>
+              <a:buChar char="-"/>
+            </a:pPr>
+            <a:r>
+              <a:rPr lang="en-US" b="1" dirty="0">
+                <a:solidFill>
+                  <a:schemeClr val="tx1"/>
+                </a:solidFill>
+              </a:rPr>
+              <a:t>Single Family Home value average (ZSFH) from Zillow</a:t>
+            </a:r>
+          </a:p>
+          <a:p>
+            <a:r>
+              <a:rPr lang="en-US" b="1" dirty="0">
+                <a:solidFill>
+                  <a:schemeClr val="accent6">
+                    <a:lumMod val="60000"/>
+                    <a:lumOff val="40000"/>
+                  </a:schemeClr>
+                </a:solidFill>
+              </a:rPr>
+              <a:t>	</a:t>
+            </a:r>
+            <a:r>
+              <a:rPr lang="en-US" b="1" dirty="0">
+                <a:solidFill>
+                  <a:schemeClr val="accent6">
+                    <a:lumMod val="60000"/>
+                    <a:lumOff val="40000"/>
+                  </a:schemeClr>
+                </a:solidFill>
+                <a:hlinkClick r:id="rId3"/>
+              </a:rPr>
+              <a:t>https://data.nasdaq.com/api/v3/datatables/ZILLOW/</a:t>
+            </a:r>
+            <a:endParaRPr lang="en-US" b="1" dirty="0">
+              <a:solidFill>
+                <a:schemeClr val="accent6">
+                  <a:lumMod val="60000"/>
+                  <a:lumOff val="40000"/>
+                </a:schemeClr>
+              </a:solidFill>
+            </a:endParaRPr>
+          </a:p>
+          <a:p>
+            <a:pPr marL="285750" indent="-285750">
+              <a:buFontTx/>
+              <a:buChar char="-"/>
+            </a:pPr>
+            <a:r>
+              <a:rPr lang="en-US" b="1" dirty="0">
+                <a:solidFill>
+                  <a:schemeClr val="tx1"/>
+                </a:solidFill>
+              </a:rPr>
+              <a:t>Consumer Price Index for All Urban Consumers using the Nasdaq library </a:t>
+            </a:r>
+          </a:p>
+          <a:p>
+            <a:r>
+              <a:rPr lang="en-US" b="1" dirty="0">
+                <a:solidFill>
+                  <a:schemeClr val="accent6">
+                    <a:lumMod val="60000"/>
+                    <a:lumOff val="40000"/>
+                  </a:schemeClr>
+                </a:solidFill>
+              </a:rPr>
+              <a:t>	</a:t>
+            </a:r>
+            <a:r>
+              <a:rPr lang="en-US" b="1" dirty="0">
+                <a:solidFill>
+                  <a:schemeClr val="accent6">
+                    <a:lumMod val="60000"/>
+                    <a:lumOff val="40000"/>
+                  </a:schemeClr>
+                </a:solidFill>
+                <a:hlinkClick r:id="rId2"/>
+              </a:rPr>
+              <a:t>https://api.stlouisfed.org/fred/series/observations</a:t>
+            </a:r>
+            <a:r>
+              <a:rPr lang="en-US" b="1" dirty="0">
+                <a:solidFill>
+                  <a:schemeClr val="accent6">
+                    <a:lumMod val="60000"/>
+                    <a:lumOff val="40000"/>
+                  </a:schemeClr>
+                </a:solidFill>
+              </a:rPr>
+              <a:t>?</a:t>
+            </a:r>
+          </a:p>
+          <a:p>
+            <a:pPr marL="285750" indent="-285750">
+              <a:buFontTx/>
+              <a:buChar char="-"/>
+            </a:pPr>
+            <a:r>
+              <a:rPr lang="en-US" b="1" dirty="0">
+                <a:solidFill>
+                  <a:schemeClr val="tx1"/>
+                </a:solidFill>
+              </a:rPr>
+              <a:t>Gross domestic product using the Nasdaq library</a:t>
+            </a:r>
+          </a:p>
+          <a:p>
+            <a:r>
+              <a:rPr lang="en-US" b="1" dirty="0">
+                <a:solidFill>
+                  <a:schemeClr val="accent6">
+                    <a:lumMod val="60000"/>
+                    <a:lumOff val="40000"/>
+                  </a:schemeClr>
+                </a:solidFill>
+              </a:rPr>
+              <a:t>	</a:t>
+            </a:r>
+            <a:r>
+              <a:rPr lang="en-US" b="1" dirty="0">
+                <a:solidFill>
+                  <a:schemeClr val="accent6">
+                    <a:lumMod val="60000"/>
+                    <a:lumOff val="40000"/>
+                  </a:schemeClr>
+                </a:solidFill>
+                <a:hlinkClick r:id="rId2"/>
+              </a:rPr>
+              <a:t>https://api.stlouisfed.org/fred/series/observations</a:t>
+            </a:r>
+            <a:r>
+              <a:rPr lang="en-US" b="1" dirty="0">
+                <a:solidFill>
+                  <a:schemeClr val="accent6">
+                    <a:lumMod val="60000"/>
+                    <a:lumOff val="40000"/>
+                  </a:schemeClr>
+                </a:solidFill>
+              </a:rPr>
+              <a:t>?</a:t>
+            </a:r>
+          </a:p>
+          <a:p>
+            <a:r>
+              <a:rPr lang="en-US" b="1" dirty="0">
+                <a:solidFill>
+                  <a:schemeClr val="accent6">
+                    <a:lumMod val="60000"/>
+                    <a:lumOff val="40000"/>
+                  </a:schemeClr>
+                </a:solidFill>
+              </a:rPr>
+              <a:t> </a:t>
+            </a:r>
+          </a:p>
+          <a:p>
+            <a:r>
+              <a:rPr lang="en-US" b="1" u="sng" dirty="0">
+                <a:solidFill>
+                  <a:schemeClr val="tx1"/>
+                </a:solidFill>
+                <a:effectLst/>
+                <a:latin typeface="Roboto" panose="020B0604020202020204" pitchFamily="2" charset="0"/>
+                <a:hlinkClick r:id="rId4">
+                  <a:extLst>
+                    <a:ext uri="{A12FA001-AC4F-418D-AE19-62706E023703}">
+                      <ahyp:hlinkClr xmlns:ahyp="http://schemas.microsoft.com/office/drawing/2018/hyperlinkcolor" val="tx"/>
+                    </a:ext>
+                  </a:extLst>
+                </a:hlinkClick>
+              </a:rPr>
+              <a:t>U.S. Bureau of Labor Statistics</a:t>
+            </a:r>
+            <a:endParaRPr lang="en-US" b="1" dirty="0">
+              <a:solidFill>
+                <a:schemeClr val="tx1"/>
+              </a:solidFill>
+            </a:endParaRPr>
+          </a:p>
+          <a:p>
+            <a:r>
+              <a:rPr lang="en-US" b="0" dirty="0">
+                <a:solidFill>
+                  <a:srgbClr val="CE9178"/>
+                </a:solidFill>
+                <a:effectLst/>
+                <a:latin typeface="Consolas" panose="020B0609020204030204" pitchFamily="49" charset="0"/>
+                <a:hlinkClick r:id="rId5"/>
+              </a:rPr>
+              <a:t>https://api.bls.gov/publicAPI/v2/timeseries/data/</a:t>
+            </a:r>
+            <a:r>
+              <a:rPr lang="en-US" b="0" dirty="0">
+                <a:solidFill>
+                  <a:srgbClr val="CE9178"/>
+                </a:solidFill>
+                <a:effectLst/>
+                <a:latin typeface="Consolas" panose="020B0609020204030204" pitchFamily="49" charset="0"/>
+              </a:rPr>
+              <a:t> </a:t>
+            </a:r>
+            <a:r>
+              <a:rPr lang="en-US" b="0" dirty="0">
+                <a:solidFill>
+                  <a:schemeClr val="tx1"/>
+                </a:solidFill>
+                <a:effectLst/>
+                <a:latin typeface="Consolas" panose="020B0609020204030204" pitchFamily="49" charset="0"/>
+              </a:rPr>
+              <a:t>4</a:t>
+            </a:r>
+            <a:r>
+              <a:rPr lang="en-US" dirty="0">
+                <a:solidFill>
+                  <a:schemeClr val="tx1"/>
+                </a:solidFill>
+                <a:latin typeface="Consolas" panose="020B0609020204030204" pitchFamily="49" charset="0"/>
+              </a:rPr>
+              <a:t>-year data limit </a:t>
+            </a:r>
+            <a:endParaRPr lang="en-US" b="0" dirty="0">
+              <a:solidFill>
+                <a:srgbClr val="D4D4D4"/>
+              </a:solidFill>
+              <a:effectLst/>
+              <a:latin typeface="Consolas" panose="020B0609020204030204" pitchFamily="49" charset="0"/>
+            </a:endParaRPr>
+          </a:p>
+          <a:p>
+            <a:endParaRPr lang="en-US" b="1" dirty="0">
+              <a:solidFill>
+                <a:schemeClr val="accent6">
+                  <a:lumMod val="60000"/>
+                  <a:lumOff val="40000"/>
+                </a:schemeClr>
+              </a:solidFill>
+            </a:endParaRPr>
           </a:p>
         </p:txBody>
       </p:sp>
@@ -23662,36 +25162,20 @@
             <a:pPr algn="l"/>
             <a:r>
               <a:rPr lang="en-US" sz="2000" dirty="0">
+                <a:solidFill>
+                  <a:schemeClr val="tx1"/>
+                </a:solidFill>
                 <a:latin typeface="Arial" panose="020B0604020202020204" pitchFamily="34" charset="0"/>
                 <a:cs typeface="Arial" panose="020B0604020202020204" pitchFamily="34" charset="0"/>
               </a:rPr>
-              <a:t>Three of the datasets were obtained via API</a:t>
+              <a:t>The </a:t>
             </a:r>
-            <a:endParaRPr lang="en-US" sz="2000" dirty="0">
-              <a:solidFill>
-                <a:schemeClr val="accent6"/>
-              </a:solidFill>
-              <a:latin typeface="Arial" panose="020B0604020202020204" pitchFamily="34" charset="0"/>
-              <a:cs typeface="Arial" panose="020B0604020202020204" pitchFamily="34" charset="0"/>
-            </a:endParaRPr>
-          </a:p>
-          <a:p>
-            <a:pPr algn="l"/>
-            <a:r>
-              <a:rPr lang="en-US" sz="2000" dirty="0">
-                <a:latin typeface="Arial" panose="020B0604020202020204" pitchFamily="34" charset="0"/>
-                <a:cs typeface="Arial" panose="020B0604020202020204" pitchFamily="34" charset="0"/>
-              </a:rPr>
-              <a:t>The other 3 were obtained using the library </a:t>
-            </a:r>
-          </a:p>
-          <a:p>
-            <a:pPr algn="l"/>
             <a:r>
               <a:rPr lang="en-US" sz="2000" dirty="0">
                 <a:solidFill>
-                  <a:schemeClr val="accent2">
-                    <a:lumMod val="75000"/>
+                  <a:schemeClr val="accent6">
+                    <a:lumMod val="60000"/>
+                    <a:lumOff val="40000"/>
                   </a:schemeClr>
                 </a:solidFill>
                 <a:latin typeface="Arial" panose="020B0604020202020204" pitchFamily="34" charset="0"/>
@@ -23702,8 +25186,9 @@
             <a:r>
               <a:rPr lang="en-US" sz="2000" b="0" dirty="0">
                 <a:solidFill>
-                  <a:schemeClr val="accent2">
-                    <a:lumMod val="75000"/>
+                  <a:schemeClr val="accent6">
+                    <a:lumMod val="60000"/>
+                    <a:lumOff val="40000"/>
                   </a:schemeClr>
                 </a:solidFill>
                 <a:effectLst/>
@@ -23712,19 +25197,100 @@
               </a:rPr>
               <a:t>asdaq-Data-Link</a:t>
             </a:r>
+            <a:r>
+              <a:rPr lang="en-US" sz="2000" b="0" dirty="0">
+                <a:solidFill>
+                  <a:srgbClr val="00B050"/>
+                </a:solidFill>
+                <a:effectLst/>
+                <a:latin typeface="Arial" panose="020B0604020202020204" pitchFamily="34" charset="0"/>
+                <a:cs typeface="Arial" panose="020B0604020202020204" pitchFamily="34" charset="0"/>
+              </a:rPr>
+              <a:t> </a:t>
+            </a:r>
+            <a:r>
+              <a:rPr lang="en-US" sz="2000" dirty="0">
+                <a:solidFill>
+                  <a:schemeClr val="tx1"/>
+                </a:solidFill>
+                <a:latin typeface="Arial" panose="020B0604020202020204" pitchFamily="34" charset="0"/>
+                <a:cs typeface="Arial" panose="020B0604020202020204" pitchFamily="34" charset="0"/>
+              </a:rPr>
+              <a:t>library</a:t>
+            </a:r>
+          </a:p>
+          <a:p>
+            <a:pPr algn="l"/>
+            <a:r>
+              <a:rPr lang="en-US" sz="2000" b="0" dirty="0">
+                <a:solidFill>
+                  <a:srgbClr val="00B050"/>
+                </a:solidFill>
+                <a:effectLst/>
+                <a:latin typeface="Arial" panose="020B0604020202020204" pitchFamily="34" charset="0"/>
+                <a:cs typeface="Arial" panose="020B0604020202020204" pitchFamily="34" charset="0"/>
+              </a:rPr>
+              <a:t> </a:t>
+            </a:r>
+            <a:r>
+              <a:rPr lang="en-US" sz="2000" b="0" dirty="0">
+                <a:solidFill>
+                  <a:schemeClr val="accent6">
+                    <a:lumMod val="60000"/>
+                    <a:lumOff val="40000"/>
+                  </a:schemeClr>
+                </a:solidFill>
+                <a:effectLst/>
+                <a:latin typeface="Arial" panose="020B0604020202020204" pitchFamily="34" charset="0"/>
+                <a:cs typeface="Arial" panose="020B0604020202020204" pitchFamily="34" charset="0"/>
+                <a:hlinkClick r:id="rId2"/>
+              </a:rPr>
+              <a:t>https://pypi.org/project/Nasdaq-Data-Link/</a:t>
+            </a:r>
+            <a:endParaRPr lang="en-US" sz="2000" b="0" dirty="0">
+              <a:solidFill>
+                <a:schemeClr val="accent6">
+                  <a:lumMod val="60000"/>
+                  <a:lumOff val="40000"/>
+                </a:schemeClr>
+              </a:solidFill>
+              <a:effectLst/>
+              <a:latin typeface="Arial" panose="020B0604020202020204" pitchFamily="34" charset="0"/>
+              <a:cs typeface="Arial" panose="020B0604020202020204" pitchFamily="34" charset="0"/>
+            </a:endParaRPr>
+          </a:p>
+          <a:p>
+            <a:pPr algn="l"/>
+            <a:endParaRPr lang="en-US" sz="2000" b="0" dirty="0">
+              <a:solidFill>
+                <a:schemeClr val="accent6">
+                  <a:lumMod val="60000"/>
+                  <a:lumOff val="40000"/>
+                </a:schemeClr>
+              </a:solidFill>
+              <a:effectLst/>
+              <a:latin typeface="Arial" panose="020B0604020202020204" pitchFamily="34" charset="0"/>
+              <a:cs typeface="Arial" panose="020B0604020202020204" pitchFamily="34" charset="0"/>
+            </a:endParaRPr>
           </a:p>
           <a:p>
             <a:pPr algn="l"/>
             <a:r>
               <a:rPr lang="en-US" sz="2000" dirty="0">
+                <a:solidFill>
+                  <a:schemeClr val="tx1"/>
+                </a:solidFill>
                 <a:latin typeface="Arial" panose="020B0604020202020204" pitchFamily="34" charset="0"/>
                 <a:cs typeface="Arial" panose="020B0604020202020204" pitchFamily="34" charset="0"/>
               </a:rPr>
-              <a:t>That simplified the collection by eliminating the need of adding, headers or other parameters. The API key was still required. </a:t>
+              <a:t>This library simplified the collection. The API key was still required and was configured in the imports per the documentation</a:t>
             </a:r>
+          </a:p>
+          <a:p>
+            <a:pPr algn="l"/>
             <a:endParaRPr lang="en-US" sz="2000" dirty="0">
               <a:solidFill>
-                <a:schemeClr val="accent6"/>
+                <a:schemeClr val="tx1"/>
               </a:solidFill>
               <a:latin typeface="Arial" panose="020B0604020202020204" pitchFamily="34" charset="0"/>
               <a:cs typeface="Arial" panose="020B0604020202020204" pitchFamily="34" charset="0"/>
@@ -23748,7 +25314,7 @@
         </p:nvSpPr>
         <p:spPr>
           <a:xfrm>
-            <a:off x="3887693" y="3614831"/>
+            <a:off x="3758362" y="2848286"/>
             <a:ext cx="7281335" cy="1692275"/>
           </a:xfrm>
           <a:prstGeom prst="rect">
@@ -23943,6 +25509,9 @@
             <a:pPr algn="l"/>
             <a:r>
               <a:rPr lang="en-US" sz="2000" b="0" dirty="0">
+                <a:solidFill>
+                  <a:schemeClr val="tx1"/>
+                </a:solidFill>
                 <a:effectLst/>
                 <a:latin typeface="Arial" panose="020B0604020202020204" pitchFamily="34" charset="0"/>
                 <a:cs typeface="Arial" panose="020B0604020202020204" pitchFamily="34" charset="0"/>
@@ -23954,12 +25523,130 @@
             <a:pPr algn="l"/>
             <a:r>
               <a:rPr lang="en-US" sz="2000" b="0" dirty="0">
+                <a:solidFill>
+                  <a:schemeClr val="accent6">
+                    <a:lumMod val="60000"/>
+                    <a:lumOff val="40000"/>
+                  </a:schemeClr>
+                </a:solidFill>
                 <a:effectLst/>
                 <a:latin typeface="Arial" panose="020B0604020202020204" pitchFamily="34" charset="0"/>
                 <a:cs typeface="Arial" panose="020B0604020202020204" pitchFamily="34" charset="0"/>
+                <a:hlinkClick r:id="rId3"/>
               </a:rPr>
-              <a:t>https://fred.stlouisfed.org/docs/api/fred/ https://www.bls.gov/developers/home.htm https://data.nasdaq.com/api/v3/datatables/</a:t>
+              <a:t>https://fred.stlouisfed.org/docs/api/fred/</a:t>
             </a:r>
+            <a:endParaRPr lang="en-US" sz="2000" b="0" dirty="0">
+              <a:solidFill>
+                <a:schemeClr val="accent6">
+                  <a:lumMod val="60000"/>
+                  <a:lumOff val="40000"/>
+                </a:schemeClr>
+              </a:solidFill>
+              <a:effectLst/>
+              <a:latin typeface="Arial" panose="020B0604020202020204" pitchFamily="34" charset="0"/>
+              <a:cs typeface="Arial" panose="020B0604020202020204" pitchFamily="34" charset="0"/>
+            </a:endParaRPr>
+          </a:p>
+          <a:p>
+            <a:pPr algn="l"/>
+            <a:endParaRPr lang="en-US" sz="2000" b="0" dirty="0">
+              <a:solidFill>
+                <a:schemeClr val="accent6">
+                  <a:lumMod val="60000"/>
+                  <a:lumOff val="40000"/>
+                </a:schemeClr>
+              </a:solidFill>
+              <a:effectLst/>
+              <a:latin typeface="Arial" panose="020B0604020202020204" pitchFamily="34" charset="0"/>
+              <a:cs typeface="Arial" panose="020B0604020202020204" pitchFamily="34" charset="0"/>
+            </a:endParaRPr>
+          </a:p>
+          <a:p>
+            <a:pPr algn="l"/>
+            <a:r>
+              <a:rPr lang="en-US" sz="2000" b="0" dirty="0">
+                <a:solidFill>
+                  <a:schemeClr val="accent6">
+                    <a:lumMod val="60000"/>
+                    <a:lumOff val="40000"/>
+                  </a:schemeClr>
+                </a:solidFill>
+                <a:effectLst/>
+                <a:latin typeface="Arial" panose="020B0604020202020204" pitchFamily="34" charset="0"/>
+                <a:cs typeface="Arial" panose="020B0604020202020204" pitchFamily="34" charset="0"/>
+                <a:hlinkClick r:id="rId4"/>
+              </a:rPr>
+              <a:t>https://www.bls.gov/developers/home.htm</a:t>
+            </a:r>
+            <a:endParaRPr lang="en-US" sz="2000" b="0" dirty="0">
+              <a:solidFill>
+                <a:schemeClr val="accent6">
+                  <a:lumMod val="60000"/>
+                  <a:lumOff val="40000"/>
+                </a:schemeClr>
+              </a:solidFill>
+              <a:effectLst/>
+              <a:latin typeface="Arial" panose="020B0604020202020204" pitchFamily="34" charset="0"/>
+              <a:cs typeface="Arial" panose="020B0604020202020204" pitchFamily="34" charset="0"/>
+            </a:endParaRPr>
+          </a:p>
+          <a:p>
+            <a:pPr algn="l"/>
+            <a:endParaRPr lang="en-US" sz="2000" b="0" dirty="0">
+              <a:solidFill>
+                <a:schemeClr val="accent6">
+                  <a:lumMod val="60000"/>
+                  <a:lumOff val="40000"/>
+                </a:schemeClr>
+              </a:solidFill>
+              <a:effectLst/>
+              <a:latin typeface="Arial" panose="020B0604020202020204" pitchFamily="34" charset="0"/>
+              <a:cs typeface="Arial" panose="020B0604020202020204" pitchFamily="34" charset="0"/>
+            </a:endParaRPr>
+          </a:p>
+          <a:p>
+            <a:pPr algn="l"/>
+            <a:r>
+              <a:rPr lang="en-US" sz="2000" b="0" dirty="0">
+                <a:solidFill>
+                  <a:schemeClr val="accent6">
+                    <a:lumMod val="60000"/>
+                    <a:lumOff val="40000"/>
+                  </a:schemeClr>
+                </a:solidFill>
+                <a:effectLst/>
+                <a:latin typeface="Arial" panose="020B0604020202020204" pitchFamily="34" charset="0"/>
+                <a:cs typeface="Arial" panose="020B0604020202020204" pitchFamily="34" charset="0"/>
+                <a:hlinkClick r:id="rId5"/>
+              </a:rPr>
+              <a:t>https://data.nasdaq.com/api/v3/datatables/</a:t>
+            </a:r>
+            <a:endParaRPr lang="en-US" sz="2000" b="0" dirty="0">
+              <a:solidFill>
+                <a:schemeClr val="accent6">
+                  <a:lumMod val="60000"/>
+                  <a:lumOff val="40000"/>
+                </a:schemeClr>
+              </a:solidFill>
+              <a:effectLst/>
+              <a:latin typeface="Arial" panose="020B0604020202020204" pitchFamily="34" charset="0"/>
+              <a:cs typeface="Arial" panose="020B0604020202020204" pitchFamily="34" charset="0"/>
+            </a:endParaRPr>
+          </a:p>
+          <a:p>
+            <a:pPr algn="l"/>
+            <a:endParaRPr lang="en-US" sz="2000" b="0" dirty="0">
+              <a:solidFill>
+                <a:schemeClr val="accent6">
+                  <a:lumMod val="60000"/>
+                  <a:lumOff val="40000"/>
+                </a:schemeClr>
+              </a:solidFill>
+              <a:effectLst/>
+              <a:latin typeface="Arial" panose="020B0604020202020204" pitchFamily="34" charset="0"/>
+              <a:cs typeface="Arial" panose="020B0604020202020204" pitchFamily="34" charset="0"/>
+            </a:endParaRPr>
           </a:p>
         </p:txBody>
       </p:sp>
@@ -24024,10 +25711,10 @@
       </p:sp>
       <p:pic>
         <p:nvPicPr>
-          <p:cNvPr id="20" name="Picture 19">
+          <p:cNvPr id="3" name="Picture 2">
             <a:extLst>
               <a:ext uri="{FF2B5EF4-FFF2-40B4-BE49-F238E27FC236}">
-                <a16:creationId xmlns:a16="http://schemas.microsoft.com/office/drawing/2014/main" id="{9BF4CD5A-26BA-D87A-175E-85023C370AA8}"/>
+                <a16:creationId xmlns:a16="http://schemas.microsoft.com/office/drawing/2014/main" id="{0E98CF07-8577-E99F-275A-78E029664E99}"/>
               </a:ext>
             </a:extLst>
           </p:cNvPr>
@@ -24044,8 +25731,98 @@
         </p:blipFill>
         <p:spPr>
           <a:xfrm>
-            <a:off x="-53340" y="1295400"/>
-            <a:ext cx="12192000" cy="3957052"/>
+            <a:off x="533695" y="309109"/>
+            <a:ext cx="3614972" cy="2662690"/>
+          </a:xfrm>
+          <a:prstGeom prst="rect">
+            <a:avLst/>
+          </a:prstGeom>
+        </p:spPr>
+      </p:pic>
+      <p:pic>
+        <p:nvPicPr>
+          <p:cNvPr id="5" name="Picture 4">
+            <a:extLst>
+              <a:ext uri="{FF2B5EF4-FFF2-40B4-BE49-F238E27FC236}">
+                <a16:creationId xmlns:a16="http://schemas.microsoft.com/office/drawing/2014/main" id="{F041E751-AA37-318D-787A-3F92B8738105}"/>
+              </a:ext>
+            </a:extLst>
+          </p:cNvPr>
+          <p:cNvPicPr>
+            <a:picLocks noChangeAspect="1"/>
+          </p:cNvPicPr>
+          <p:nvPr/>
+        </p:nvPicPr>
+        <p:blipFill>
+          <a:blip r:embed="rId3"/>
+          <a:stretch>
+            <a:fillRect/>
+          </a:stretch>
+        </p:blipFill>
+        <p:spPr>
+          <a:xfrm>
+            <a:off x="612580" y="3347720"/>
+            <a:ext cx="10825413" cy="1595603"/>
+          </a:xfrm>
+          <a:prstGeom prst="rect">
+            <a:avLst/>
+          </a:prstGeom>
+        </p:spPr>
+      </p:pic>
+      <p:pic>
+        <p:nvPicPr>
+          <p:cNvPr id="10" name="Picture 9">
+            <a:extLst>
+              <a:ext uri="{FF2B5EF4-FFF2-40B4-BE49-F238E27FC236}">
+                <a16:creationId xmlns:a16="http://schemas.microsoft.com/office/drawing/2014/main" id="{FE966588-56BF-11A1-E2E2-B0F34611281F}"/>
+              </a:ext>
+            </a:extLst>
+          </p:cNvPr>
+          <p:cNvPicPr>
+            <a:picLocks noChangeAspect="1"/>
+          </p:cNvPicPr>
+          <p:nvPr/>
+        </p:nvPicPr>
+        <p:blipFill>
+          <a:blip r:embed="rId4"/>
+          <a:stretch>
+            <a:fillRect/>
+          </a:stretch>
+        </p:blipFill>
+        <p:spPr>
+          <a:xfrm>
+            <a:off x="4871525" y="1022652"/>
+            <a:ext cx="6297245" cy="1949147"/>
+          </a:xfrm>
+          <a:prstGeom prst="rect">
+            <a:avLst/>
+          </a:prstGeom>
+        </p:spPr>
+      </p:pic>
+      <p:pic>
+        <p:nvPicPr>
+          <p:cNvPr id="13" name="Picture 12">
+            <a:extLst>
+              <a:ext uri="{FF2B5EF4-FFF2-40B4-BE49-F238E27FC236}">
+                <a16:creationId xmlns:a16="http://schemas.microsoft.com/office/drawing/2014/main" id="{BA6BA590-CC55-39A9-418D-254D05120677}"/>
+              </a:ext>
+            </a:extLst>
+          </p:cNvPr>
+          <p:cNvPicPr>
+            <a:picLocks noChangeAspect="1"/>
+          </p:cNvPicPr>
+          <p:nvPr/>
+        </p:nvPicPr>
+        <p:blipFill>
+          <a:blip r:embed="rId5"/>
+          <a:stretch>
+            <a:fillRect/>
+          </a:stretch>
+        </p:blipFill>
+        <p:spPr>
+          <a:xfrm>
+            <a:off x="1628718" y="5155968"/>
+            <a:ext cx="7261281" cy="1590652"/>
           </a:xfrm>
           <a:prstGeom prst="rect">
             <a:avLst/>
@@ -24055,7 +25832,7 @@
     </p:spTree>
     <p:extLst>
       <p:ext uri="{BB962C8B-B14F-4D97-AF65-F5344CB8AC3E}">
-        <p14:creationId xmlns:p14="http://schemas.microsoft.com/office/powerpoint/2010/main" val="2903841477"/>
+        <p14:creationId xmlns:p14="http://schemas.microsoft.com/office/powerpoint/2010/main" val="627884953"/>
       </p:ext>
     </p:extLst>
   </p:cSld>
@@ -24113,10 +25890,10 @@
       </p:sp>
       <p:pic>
         <p:nvPicPr>
-          <p:cNvPr id="3" name="Picture 2">
+          <p:cNvPr id="13" name="Picture 12">
             <a:extLst>
               <a:ext uri="{FF2B5EF4-FFF2-40B4-BE49-F238E27FC236}">
-                <a16:creationId xmlns:a16="http://schemas.microsoft.com/office/drawing/2014/main" id="{50FC983F-BDE5-419A-A61D-F4EBD3B3093E}"/>
+                <a16:creationId xmlns:a16="http://schemas.microsoft.com/office/drawing/2014/main" id="{9FECE6EA-6894-C986-CA40-B6AEB76AC166}"/>
               </a:ext>
             </a:extLst>
           </p:cNvPr>
@@ -24133,8 +25910,98 @@
         </p:blipFill>
         <p:spPr>
           <a:xfrm>
-            <a:off x="0" y="1447466"/>
-            <a:ext cx="12192000" cy="3963068"/>
+            <a:off x="524934" y="3470841"/>
+            <a:ext cx="3619690" cy="254013"/>
+          </a:xfrm>
+          <a:prstGeom prst="rect">
+            <a:avLst/>
+          </a:prstGeom>
+        </p:spPr>
+      </p:pic>
+      <p:pic>
+        <p:nvPicPr>
+          <p:cNvPr id="15" name="Picture 14">
+            <a:extLst>
+              <a:ext uri="{FF2B5EF4-FFF2-40B4-BE49-F238E27FC236}">
+                <a16:creationId xmlns:a16="http://schemas.microsoft.com/office/drawing/2014/main" id="{763E718B-BF4E-A446-C1CA-CF78C3336A4C}"/>
+              </a:ext>
+            </a:extLst>
+          </p:cNvPr>
+          <p:cNvPicPr>
+            <a:picLocks noChangeAspect="1"/>
+          </p:cNvPicPr>
+          <p:nvPr/>
+        </p:nvPicPr>
+        <p:blipFill>
+          <a:blip r:embed="rId3"/>
+          <a:stretch>
+            <a:fillRect/>
+          </a:stretch>
+        </p:blipFill>
+        <p:spPr>
+          <a:xfrm>
+            <a:off x="5249334" y="3452798"/>
+            <a:ext cx="5143769" cy="254013"/>
+          </a:xfrm>
+          <a:prstGeom prst="rect">
+            <a:avLst/>
+          </a:prstGeom>
+        </p:spPr>
+      </p:pic>
+      <p:pic>
+        <p:nvPicPr>
+          <p:cNvPr id="17" name="Picture 16">
+            <a:extLst>
+              <a:ext uri="{FF2B5EF4-FFF2-40B4-BE49-F238E27FC236}">
+                <a16:creationId xmlns:a16="http://schemas.microsoft.com/office/drawing/2014/main" id="{55B818B7-9626-15B4-D7F0-49CFAFE381B7}"/>
+              </a:ext>
+            </a:extLst>
+          </p:cNvPr>
+          <p:cNvPicPr>
+            <a:picLocks noChangeAspect="1"/>
+          </p:cNvPicPr>
+          <p:nvPr/>
+        </p:nvPicPr>
+        <p:blipFill>
+          <a:blip r:embed="rId4"/>
+          <a:stretch>
+            <a:fillRect/>
+          </a:stretch>
+        </p:blipFill>
+        <p:spPr>
+          <a:xfrm>
+            <a:off x="609601" y="457200"/>
+            <a:ext cx="8604608" cy="2729848"/>
+          </a:xfrm>
+          <a:prstGeom prst="rect">
+            <a:avLst/>
+          </a:prstGeom>
+        </p:spPr>
+      </p:pic>
+      <p:pic>
+        <p:nvPicPr>
+          <p:cNvPr id="19" name="Picture 18">
+            <a:extLst>
+              <a:ext uri="{FF2B5EF4-FFF2-40B4-BE49-F238E27FC236}">
+                <a16:creationId xmlns:a16="http://schemas.microsoft.com/office/drawing/2014/main" id="{1B5FD80F-10B0-7F63-BC10-EF765D88917F}"/>
+              </a:ext>
+            </a:extLst>
+          </p:cNvPr>
+          <p:cNvPicPr>
+            <a:picLocks noChangeAspect="1"/>
+          </p:cNvPicPr>
+          <p:nvPr/>
+        </p:nvPicPr>
+        <p:blipFill>
+          <a:blip r:embed="rId5"/>
+          <a:stretch>
+            <a:fillRect/>
+          </a:stretch>
+        </p:blipFill>
+        <p:spPr>
+          <a:xfrm>
+            <a:off x="270934" y="4020709"/>
+            <a:ext cx="8943275" cy="2837291"/>
           </a:xfrm>
           <a:prstGeom prst="rect">
             <a:avLst/>
@@ -24202,10 +26069,10 @@
       </p:sp>
       <p:pic>
         <p:nvPicPr>
-          <p:cNvPr id="13" name="Picture 12">
+          <p:cNvPr id="11" name="Picture 10">
             <a:extLst>
               <a:ext uri="{FF2B5EF4-FFF2-40B4-BE49-F238E27FC236}">
-                <a16:creationId xmlns:a16="http://schemas.microsoft.com/office/drawing/2014/main" id="{6B12469F-656F-94B8-686C-9BE698973730}"/>
+                <a16:creationId xmlns:a16="http://schemas.microsoft.com/office/drawing/2014/main" id="{6E2AF34B-D955-2436-30AF-C27302C1AB66}"/>
               </a:ext>
             </a:extLst>
           </p:cNvPr>
@@ -24222,122 +26089,18 @@
         </p:blipFill>
         <p:spPr>
           <a:xfrm>
-            <a:off x="169731" y="1425389"/>
-            <a:ext cx="5709675" cy="4778188"/>
+            <a:off x="259080" y="587496"/>
+            <a:ext cx="11069320" cy="6098313"/>
           </a:xfrm>
           <a:prstGeom prst="rect">
             <a:avLst/>
           </a:prstGeom>
         </p:spPr>
       </p:pic>
-      <p:pic>
-        <p:nvPicPr>
-          <p:cNvPr id="16" name="Picture 15">
-            <a:extLst>
-              <a:ext uri="{FF2B5EF4-FFF2-40B4-BE49-F238E27FC236}">
-                <a16:creationId xmlns:a16="http://schemas.microsoft.com/office/drawing/2014/main" id="{D83AD425-3CA8-6BA1-C65F-821F6B36D220}"/>
-              </a:ext>
-            </a:extLst>
-          </p:cNvPr>
-          <p:cNvPicPr>
-            <a:picLocks noChangeAspect="1"/>
-          </p:cNvPicPr>
-          <p:nvPr/>
-        </p:nvPicPr>
-        <p:blipFill>
-          <a:blip r:embed="rId3"/>
-          <a:stretch>
-            <a:fillRect/>
-          </a:stretch>
-        </p:blipFill>
-        <p:spPr>
-          <a:xfrm>
-            <a:off x="6075985" y="1425389"/>
-            <a:ext cx="5946284" cy="4875361"/>
-          </a:xfrm>
-          <a:prstGeom prst="rect">
-            <a:avLst/>
-          </a:prstGeom>
-        </p:spPr>
-      </p:pic>
-      <p:sp>
-        <p:nvSpPr>
-          <p:cNvPr id="17" name="TextBox 16">
-            <a:extLst>
-              <a:ext uri="{FF2B5EF4-FFF2-40B4-BE49-F238E27FC236}">
-                <a16:creationId xmlns:a16="http://schemas.microsoft.com/office/drawing/2014/main" id="{8541828F-D0C0-5D40-E68B-233CB8BCAD63}"/>
-              </a:ext>
-            </a:extLst>
-          </p:cNvPr>
-          <p:cNvSpPr txBox="1"/>
-          <p:nvPr/>
-        </p:nvSpPr>
-        <p:spPr>
-          <a:xfrm>
-            <a:off x="1299883" y="1039566"/>
-            <a:ext cx="8769837" cy="369332"/>
-          </a:xfrm>
-          <a:prstGeom prst="rect">
-            <a:avLst/>
-          </a:prstGeom>
-          <a:noFill/>
-        </p:spPr>
-        <p:txBody>
-          <a:bodyPr wrap="none" rtlCol="0">
-            <a:spAutoFit/>
-          </a:bodyPr>
-          <a:lstStyle/>
-          <a:p>
-            <a:r>
-              <a:rPr lang="en-US" dirty="0"/>
-              <a:t>Both have a negative relationship, p-value is high, hypothesis is not statistically significant</a:t>
-            </a:r>
-          </a:p>
-        </p:txBody>
-      </p:sp>
-      <p:sp>
-        <p:nvSpPr>
-          <p:cNvPr id="19" name="TextBox 18">
-            <a:extLst>
-              <a:ext uri="{FF2B5EF4-FFF2-40B4-BE49-F238E27FC236}">
-                <a16:creationId xmlns:a16="http://schemas.microsoft.com/office/drawing/2014/main" id="{9E224EF0-B5C0-B2D4-7BD4-4CB101AB39D5}"/>
-              </a:ext>
-            </a:extLst>
-          </p:cNvPr>
-          <p:cNvSpPr txBox="1"/>
-          <p:nvPr/>
-        </p:nvSpPr>
-        <p:spPr>
-          <a:xfrm>
-            <a:off x="735106" y="346436"/>
-            <a:ext cx="9986682" cy="646331"/>
-          </a:xfrm>
-          <a:prstGeom prst="rect">
-            <a:avLst/>
-          </a:prstGeom>
-          <a:noFill/>
-        </p:spPr>
-        <p:txBody>
-          <a:bodyPr wrap="square" rtlCol="0">
-            <a:spAutoFit/>
-          </a:bodyPr>
-          <a:lstStyle/>
-          <a:p>
-            <a:r>
-              <a:rPr lang="en-US" dirty="0">
-                <a:solidFill>
-                  <a:srgbClr val="0070C0"/>
-                </a:solidFill>
-              </a:rPr>
-              <a:t>Does the price index of a basket of goods and services paid by urban consumers affect the unemployment rate? </a:t>
-            </a:r>
-          </a:p>
-        </p:txBody>
-      </p:sp>
     </p:spTree>
     <p:extLst>
       <p:ext uri="{BB962C8B-B14F-4D97-AF65-F5344CB8AC3E}">
-        <p14:creationId xmlns:p14="http://schemas.microsoft.com/office/powerpoint/2010/main" val="1070735127"/>
+        <p14:creationId xmlns:p14="http://schemas.microsoft.com/office/powerpoint/2010/main" val="2070568475"/>
       </p:ext>
     </p:extLst>
   </p:cSld>
@@ -24393,47 +26156,12 @@
           </a:p>
         </p:txBody>
       </p:sp>
-      <p:sp>
-        <p:nvSpPr>
-          <p:cNvPr id="6" name="TextBox 5">
+      <p:pic>
+        <p:nvPicPr>
+          <p:cNvPr id="5" name="Picture 4">
             <a:extLst>
               <a:ext uri="{FF2B5EF4-FFF2-40B4-BE49-F238E27FC236}">
-                <a16:creationId xmlns:a16="http://schemas.microsoft.com/office/drawing/2014/main" id="{1CF16628-46CF-5313-82A9-B0A6B46A8ADB}"/>
-              </a:ext>
-            </a:extLst>
-          </p:cNvPr>
-          <p:cNvSpPr txBox="1"/>
-          <p:nvPr/>
-        </p:nvSpPr>
-        <p:spPr>
-          <a:xfrm>
-            <a:off x="704787" y="1128646"/>
-            <a:ext cx="10940365" cy="646331"/>
-          </a:xfrm>
-          <a:prstGeom prst="rect">
-            <a:avLst/>
-          </a:prstGeom>
-          <a:noFill/>
-        </p:spPr>
-        <p:txBody>
-          <a:bodyPr wrap="square" rtlCol="0">
-            <a:spAutoFit/>
-          </a:bodyPr>
-          <a:lstStyle/>
-          <a:p>
-            <a:r>
-              <a:rPr lang="en-US" dirty="0"/>
-              <a:t>Both have a positive relationship, p-value is high, hypothesis is not statistically significant, we can accept the hypothesis as null, no evidence of consumer prices affecting single family home prices also increase?</a:t>
-            </a:r>
-          </a:p>
-        </p:txBody>
-      </p:sp>
-      <p:pic>
-        <p:nvPicPr>
-          <p:cNvPr id="12" name="Picture 11">
-            <a:extLst>
-              <a:ext uri="{FF2B5EF4-FFF2-40B4-BE49-F238E27FC236}">
-                <a16:creationId xmlns:a16="http://schemas.microsoft.com/office/drawing/2014/main" id="{E006A8C8-DE88-F72B-22B7-84FC232E1527}"/>
+                <a16:creationId xmlns:a16="http://schemas.microsoft.com/office/drawing/2014/main" id="{58FF1F59-9A7D-CF26-D2C2-9F14E9BB8C80}"/>
               </a:ext>
             </a:extLst>
           </p:cNvPr>
@@ -24450,87 +26178,18 @@
         </p:blipFill>
         <p:spPr>
           <a:xfrm>
-            <a:off x="-1" y="1933979"/>
-            <a:ext cx="6003509" cy="4880080"/>
+            <a:off x="127677" y="594360"/>
+            <a:ext cx="11241279" cy="6193049"/>
           </a:xfrm>
           <a:prstGeom prst="rect">
             <a:avLst/>
           </a:prstGeom>
         </p:spPr>
       </p:pic>
-      <p:pic>
-        <p:nvPicPr>
-          <p:cNvPr id="17" name="Picture 16">
-            <a:extLst>
-              <a:ext uri="{FF2B5EF4-FFF2-40B4-BE49-F238E27FC236}">
-                <a16:creationId xmlns:a16="http://schemas.microsoft.com/office/drawing/2014/main" id="{10C4B1AC-40F2-744C-2191-85C00EAA7E31}"/>
-              </a:ext>
-            </a:extLst>
-          </p:cNvPr>
-          <p:cNvPicPr>
-            <a:picLocks noChangeAspect="1"/>
-          </p:cNvPicPr>
-          <p:nvPr/>
-        </p:nvPicPr>
-        <p:blipFill>
-          <a:blip r:embed="rId3"/>
-          <a:stretch>
-            <a:fillRect/>
-          </a:stretch>
-        </p:blipFill>
-        <p:spPr>
-          <a:xfrm>
-            <a:off x="6096001" y="1880331"/>
-            <a:ext cx="6096000" cy="4933728"/>
-          </a:xfrm>
-          <a:prstGeom prst="rect">
-            <a:avLst/>
-          </a:prstGeom>
-        </p:spPr>
-      </p:pic>
-      <p:sp>
-        <p:nvSpPr>
-          <p:cNvPr id="18" name="TextBox 17">
-            <a:extLst>
-              <a:ext uri="{FF2B5EF4-FFF2-40B4-BE49-F238E27FC236}">
-                <a16:creationId xmlns:a16="http://schemas.microsoft.com/office/drawing/2014/main" id="{7F247168-3CE5-C12B-A946-845FCB624025}"/>
-              </a:ext>
-            </a:extLst>
-          </p:cNvPr>
-          <p:cNvSpPr txBox="1"/>
-          <p:nvPr/>
-        </p:nvSpPr>
-        <p:spPr>
-          <a:xfrm>
-            <a:off x="735106" y="346436"/>
-            <a:ext cx="9986682" cy="646331"/>
-          </a:xfrm>
-          <a:prstGeom prst="rect">
-            <a:avLst/>
-          </a:prstGeom>
-          <a:noFill/>
-        </p:spPr>
-        <p:txBody>
-          <a:bodyPr wrap="square" rtlCol="0">
-            <a:spAutoFit/>
-          </a:bodyPr>
-          <a:lstStyle/>
-          <a:p>
-            <a:r>
-              <a:rPr lang="en-US" dirty="0">
-                <a:solidFill>
-                  <a:srgbClr val="0070C0"/>
-                </a:solidFill>
-              </a:rPr>
-              <a:t>Does the price index of a basket of goods and services paid by urban consumers affect the single family home value ? </a:t>
-            </a:r>
-          </a:p>
-        </p:txBody>
-      </p:sp>
     </p:spTree>
     <p:extLst>
       <p:ext uri="{BB962C8B-B14F-4D97-AF65-F5344CB8AC3E}">
-        <p14:creationId xmlns:p14="http://schemas.microsoft.com/office/powerpoint/2010/main" val="2785269964"/>
+        <p14:creationId xmlns:p14="http://schemas.microsoft.com/office/powerpoint/2010/main" val="3689476430"/>
       </p:ext>
     </p:extLst>
   </p:cSld>
@@ -24588,10 +26247,10 @@
       </p:sp>
       <p:pic>
         <p:nvPicPr>
-          <p:cNvPr id="3" name="Picture 2">
+          <p:cNvPr id="10" name="Picture 9">
             <a:extLst>
               <a:ext uri="{FF2B5EF4-FFF2-40B4-BE49-F238E27FC236}">
-                <a16:creationId xmlns:a16="http://schemas.microsoft.com/office/drawing/2014/main" id="{3361E7CA-FB77-DA66-CAF6-DC051B60A022}"/>
+                <a16:creationId xmlns:a16="http://schemas.microsoft.com/office/drawing/2014/main" id="{4D1B0B68-CF5D-8FBB-9A78-4FDF26EC7DF5}"/>
               </a:ext>
             </a:extLst>
           </p:cNvPr>
@@ -24608,122 +26267,18 @@
         </p:blipFill>
         <p:spPr>
           <a:xfrm>
-            <a:off x="72205" y="1694329"/>
-            <a:ext cx="5947628" cy="5056094"/>
+            <a:off x="259080" y="552311"/>
+            <a:ext cx="11238653" cy="6191602"/>
           </a:xfrm>
           <a:prstGeom prst="rect">
             <a:avLst/>
           </a:prstGeom>
         </p:spPr>
       </p:pic>
-      <p:pic>
-        <p:nvPicPr>
-          <p:cNvPr id="8" name="Picture 7">
-            <a:extLst>
-              <a:ext uri="{FF2B5EF4-FFF2-40B4-BE49-F238E27FC236}">
-                <a16:creationId xmlns:a16="http://schemas.microsoft.com/office/drawing/2014/main" id="{31F33CA5-0435-6376-A1E2-1FEE176A6238}"/>
-              </a:ext>
-            </a:extLst>
-          </p:cNvPr>
-          <p:cNvPicPr>
-            <a:picLocks noChangeAspect="1"/>
-          </p:cNvPicPr>
-          <p:nvPr/>
-        </p:nvPicPr>
-        <p:blipFill>
-          <a:blip r:embed="rId3"/>
-          <a:stretch>
-            <a:fillRect/>
-          </a:stretch>
-        </p:blipFill>
-        <p:spPr>
-          <a:xfrm>
-            <a:off x="6172168" y="1703419"/>
-            <a:ext cx="5947628" cy="5015628"/>
-          </a:xfrm>
-          <a:prstGeom prst="rect">
-            <a:avLst/>
-          </a:prstGeom>
-        </p:spPr>
-      </p:pic>
-      <p:sp>
-        <p:nvSpPr>
-          <p:cNvPr id="12" name="TextBox 11">
-            <a:extLst>
-              <a:ext uri="{FF2B5EF4-FFF2-40B4-BE49-F238E27FC236}">
-                <a16:creationId xmlns:a16="http://schemas.microsoft.com/office/drawing/2014/main" id="{A7A76E0C-6AD4-3D9F-9AD9-21F01439449A}"/>
-              </a:ext>
-            </a:extLst>
-          </p:cNvPr>
-          <p:cNvSpPr txBox="1"/>
-          <p:nvPr/>
-        </p:nvSpPr>
-        <p:spPr>
-          <a:xfrm>
-            <a:off x="1013011" y="1155551"/>
-            <a:ext cx="7549695" cy="369332"/>
-          </a:xfrm>
-          <a:prstGeom prst="rect">
-            <a:avLst/>
-          </a:prstGeom>
-          <a:noFill/>
-        </p:spPr>
-        <p:txBody>
-          <a:bodyPr wrap="none" rtlCol="0">
-            <a:spAutoFit/>
-          </a:bodyPr>
-          <a:lstStyle/>
-          <a:p>
-            <a:r>
-              <a:rPr lang="en-US" dirty="0"/>
-              <a:t>Positive relationship, p-value is high, hypothesis is not statistically significant</a:t>
-            </a:r>
-          </a:p>
-        </p:txBody>
-      </p:sp>
-      <p:sp>
-        <p:nvSpPr>
-          <p:cNvPr id="13" name="TextBox 12">
-            <a:extLst>
-              <a:ext uri="{FF2B5EF4-FFF2-40B4-BE49-F238E27FC236}">
-                <a16:creationId xmlns:a16="http://schemas.microsoft.com/office/drawing/2014/main" id="{AD8A6939-E524-EE60-7CD7-7A93EE57E42E}"/>
-              </a:ext>
-            </a:extLst>
-          </p:cNvPr>
-          <p:cNvSpPr txBox="1"/>
-          <p:nvPr/>
-        </p:nvSpPr>
-        <p:spPr>
-          <a:xfrm>
-            <a:off x="735106" y="346436"/>
-            <a:ext cx="9986682" cy="646331"/>
-          </a:xfrm>
-          <a:prstGeom prst="rect">
-            <a:avLst/>
-          </a:prstGeom>
-          <a:noFill/>
-        </p:spPr>
-        <p:txBody>
-          <a:bodyPr wrap="square" rtlCol="0">
-            <a:spAutoFit/>
-          </a:bodyPr>
-          <a:lstStyle/>
-          <a:p>
-            <a:r>
-              <a:rPr lang="en-US" dirty="0">
-                <a:solidFill>
-                  <a:srgbClr val="0070C0"/>
-                </a:solidFill>
-              </a:rPr>
-              <a:t>Does the price index of a basket of goods and services paid by urban consumers affect the hourly earnings of all employees? </a:t>
-            </a:r>
-          </a:p>
-        </p:txBody>
-      </p:sp>
     </p:spTree>
     <p:extLst>
       <p:ext uri="{BB962C8B-B14F-4D97-AF65-F5344CB8AC3E}">
-        <p14:creationId xmlns:p14="http://schemas.microsoft.com/office/powerpoint/2010/main" val="921859696"/>
+        <p14:creationId xmlns:p14="http://schemas.microsoft.com/office/powerpoint/2010/main" val="651184219"/>
       </p:ext>
     </p:extLst>
   </p:cSld>
@@ -24784,7 +26339,7 @@
           <p:cNvPr id="5" name="Picture 4">
             <a:extLst>
               <a:ext uri="{FF2B5EF4-FFF2-40B4-BE49-F238E27FC236}">
-                <a16:creationId xmlns:a16="http://schemas.microsoft.com/office/drawing/2014/main" id="{9AB10F72-0577-0969-8A6B-AE65571AFAED}"/>
+                <a16:creationId xmlns:a16="http://schemas.microsoft.com/office/drawing/2014/main" id="{02F19BB9-4804-31CC-DE97-6053FD3929C6}"/>
               </a:ext>
             </a:extLst>
           </p:cNvPr>
@@ -24801,122 +26356,18 @@
         </p:blipFill>
         <p:spPr>
           <a:xfrm>
-            <a:off x="1" y="1810871"/>
-            <a:ext cx="6046742" cy="5047129"/>
+            <a:off x="259081" y="913614"/>
+            <a:ext cx="10789920" cy="5944386"/>
           </a:xfrm>
           <a:prstGeom prst="rect">
             <a:avLst/>
           </a:prstGeom>
         </p:spPr>
       </p:pic>
-      <p:pic>
-        <p:nvPicPr>
-          <p:cNvPr id="8" name="Picture 7">
-            <a:extLst>
-              <a:ext uri="{FF2B5EF4-FFF2-40B4-BE49-F238E27FC236}">
-                <a16:creationId xmlns:a16="http://schemas.microsoft.com/office/drawing/2014/main" id="{53165469-1F14-F8E8-A928-31387A1720FB}"/>
-              </a:ext>
-            </a:extLst>
-          </p:cNvPr>
-          <p:cNvPicPr>
-            <a:picLocks noChangeAspect="1"/>
-          </p:cNvPicPr>
-          <p:nvPr/>
-        </p:nvPicPr>
-        <p:blipFill>
-          <a:blip r:embed="rId3"/>
-          <a:stretch>
-            <a:fillRect/>
-          </a:stretch>
-        </p:blipFill>
-        <p:spPr>
-          <a:xfrm>
-            <a:off x="6145258" y="1843331"/>
-            <a:ext cx="6046742" cy="5014668"/>
-          </a:xfrm>
-          <a:prstGeom prst="rect">
-            <a:avLst/>
-          </a:prstGeom>
-        </p:spPr>
-      </p:pic>
-      <p:sp>
-        <p:nvSpPr>
-          <p:cNvPr id="9" name="TextBox 8">
-            <a:extLst>
-              <a:ext uri="{FF2B5EF4-FFF2-40B4-BE49-F238E27FC236}">
-                <a16:creationId xmlns:a16="http://schemas.microsoft.com/office/drawing/2014/main" id="{2B1B56D2-46CC-5238-AC98-1B94E1D1FEB8}"/>
-              </a:ext>
-            </a:extLst>
-          </p:cNvPr>
-          <p:cNvSpPr txBox="1"/>
-          <p:nvPr/>
-        </p:nvSpPr>
-        <p:spPr>
-          <a:xfrm>
-            <a:off x="448236" y="806363"/>
-            <a:ext cx="10721788" cy="923330"/>
-          </a:xfrm>
-          <a:prstGeom prst="rect">
-            <a:avLst/>
-          </a:prstGeom>
-          <a:noFill/>
-        </p:spPr>
-        <p:txBody>
-          <a:bodyPr wrap="square" rtlCol="0">
-            <a:spAutoFit/>
-          </a:bodyPr>
-          <a:lstStyle/>
-          <a:p>
-            <a:r>
-              <a:rPr lang="en-US" dirty="0"/>
-              <a:t>Negative relationship, p-value is high when we include Covid time frame. Until 2019 the p-value is very small which statistically is significant. We can reject a null hypothesis and say there is an effect by the consumer prices to the interest rate. </a:t>
-            </a:r>
-          </a:p>
-        </p:txBody>
-      </p:sp>
-      <p:sp>
-        <p:nvSpPr>
-          <p:cNvPr id="10" name="TextBox 9">
-            <a:extLst>
-              <a:ext uri="{FF2B5EF4-FFF2-40B4-BE49-F238E27FC236}">
-                <a16:creationId xmlns:a16="http://schemas.microsoft.com/office/drawing/2014/main" id="{CAAA7E71-EA3E-B7E9-FED6-AAF34F201BDF}"/>
-              </a:ext>
-            </a:extLst>
-          </p:cNvPr>
-          <p:cNvSpPr txBox="1"/>
-          <p:nvPr/>
-        </p:nvSpPr>
-        <p:spPr>
-          <a:xfrm>
-            <a:off x="448236" y="160032"/>
-            <a:ext cx="9986682" cy="646331"/>
-          </a:xfrm>
-          <a:prstGeom prst="rect">
-            <a:avLst/>
-          </a:prstGeom>
-          <a:noFill/>
-        </p:spPr>
-        <p:txBody>
-          <a:bodyPr wrap="square" rtlCol="0">
-            <a:spAutoFit/>
-          </a:bodyPr>
-          <a:lstStyle/>
-          <a:p>
-            <a:r>
-              <a:rPr lang="en-US" dirty="0">
-                <a:solidFill>
-                  <a:srgbClr val="0070C0"/>
-                </a:solidFill>
-              </a:rPr>
-              <a:t>Does the price index of a basket of goods and services paid by urban consumers affect the 30 year fixed mortgage interest rate? </a:t>
-            </a:r>
-          </a:p>
-        </p:txBody>
-      </p:sp>
     </p:spTree>
     <p:extLst>
       <p:ext uri="{BB962C8B-B14F-4D97-AF65-F5344CB8AC3E}">
-        <p14:creationId xmlns:p14="http://schemas.microsoft.com/office/powerpoint/2010/main" val="3639668294"/>
+        <p14:creationId xmlns:p14="http://schemas.microsoft.com/office/powerpoint/2010/main" val="452501941"/>
       </p:ext>
     </p:extLst>
   </p:cSld>
